--- a/Dziennik logów w Javie - Log4J.pptx
+++ b/Dziennik logów w Javie - Log4J.pptx
@@ -5,24 +5,31 @@
     <p:sldMasterId id="2147483648" r:id="rId4"/>
   </p:sldMasterIdLst>
   <p:notesMasterIdLst>
-    <p:notesMasterId r:id="rId12"/>
+    <p:notesMasterId r:id="rId19"/>
   </p:notesMasterIdLst>
   <p:handoutMasterIdLst>
-    <p:handoutMasterId r:id="rId13"/>
+    <p:handoutMasterId r:id="rId20"/>
   </p:handoutMasterIdLst>
   <p:sldIdLst>
     <p:sldId id="265" r:id="rId5"/>
-    <p:sldId id="310" r:id="rId6"/>
-    <p:sldId id="311" r:id="rId7"/>
-    <p:sldId id="313" r:id="rId8"/>
-    <p:sldId id="315" r:id="rId9"/>
-    <p:sldId id="316" r:id="rId10"/>
-    <p:sldId id="312" r:id="rId11"/>
+    <p:sldId id="317" r:id="rId6"/>
+    <p:sldId id="310" r:id="rId7"/>
+    <p:sldId id="311" r:id="rId8"/>
+    <p:sldId id="318" r:id="rId9"/>
+    <p:sldId id="313" r:id="rId10"/>
+    <p:sldId id="315" r:id="rId11"/>
+    <p:sldId id="319" r:id="rId12"/>
+    <p:sldId id="320" r:id="rId13"/>
+    <p:sldId id="321" r:id="rId14"/>
+    <p:sldId id="316" r:id="rId15"/>
+    <p:sldId id="322" r:id="rId16"/>
+    <p:sldId id="323" r:id="rId17"/>
+    <p:sldId id="312" r:id="rId18"/>
   </p:sldIdLst>
   <p:sldSz cx="12188825" cy="6858000"/>
   <p:notesSz cx="6858000" cy="9144000"/>
   <p:custDataLst>
-    <p:tags r:id="rId14"/>
+    <p:tags r:id="rId21"/>
   </p:custDataLst>
   <p:defaultTextStyle>
     <a:defPPr rtl="0">
@@ -226,7 +233,7 @@
             <a:fld id="{E5537FE1-9AC0-4E7B-8240-1A43C23ADFFC}" type="datetime1">
               <a:rPr lang="pl-PL" smtClean="0"/>
               <a:pPr algn="r" rtl="0"/>
-              <a:t>2019-05-05</a:t>
+              <a:t>2019-05-06</a:t>
             </a:fld>
             <a:endParaRPr lang="pl-PL" dirty="0"/>
           </a:p>
@@ -396,7 +403,7 @@
             <a:fld id="{D8918F0C-E00F-4A8E-8134-6E7E70E85DF2}" type="datetime1">
               <a:rPr lang="pl-PL" smtClean="0"/>
               <a:pPr/>
-              <a:t>2019-05-05</a:t>
+              <a:t>2019-05-06</a:t>
             </a:fld>
             <a:endParaRPr lang="pl-PL" dirty="0"/>
           </a:p>
@@ -1006,7 +1013,7 @@
             <a:fld id="{536D2E9F-0F82-49B6-A2C8-EE0BA7F08992}" type="datetime1">
               <a:rPr lang="pl-PL" smtClean="0"/>
               <a:pPr/>
-              <a:t>2019-05-05</a:t>
+              <a:t>2019-05-06</a:t>
             </a:fld>
             <a:endParaRPr lang="pl-PL" dirty="0"/>
           </a:p>
@@ -1210,7 +1217,7 @@
             <a:fld id="{EB94C0DF-E7CA-4BAB-BFE2-F485C5AA0C64}" type="datetime1">
               <a:rPr lang="pl-PL" smtClean="0"/>
               <a:pPr/>
-              <a:t>2019-05-05</a:t>
+              <a:t>2019-05-06</a:t>
             </a:fld>
             <a:endParaRPr lang="pl-PL" dirty="0"/>
           </a:p>
@@ -1411,7 +1418,7 @@
             <a:fld id="{BC25D39C-A725-47F3-929B-837E77585050}" type="datetime1">
               <a:rPr lang="pl-PL" smtClean="0"/>
               <a:pPr/>
-              <a:t>2019-05-05</a:t>
+              <a:t>2019-05-06</a:t>
             </a:fld>
             <a:endParaRPr lang="pl-PL" dirty="0"/>
           </a:p>
@@ -1699,7 +1706,7 @@
             <a:fld id="{F8E4306D-F956-4638-A175-53681C07CAF7}" type="datetime1">
               <a:rPr lang="pl-PL" smtClean="0"/>
               <a:pPr/>
-              <a:t>2019-05-05</a:t>
+              <a:t>2019-05-06</a:t>
             </a:fld>
             <a:endParaRPr lang="pl-PL" dirty="0"/>
           </a:p>
@@ -2015,7 +2022,7 @@
             <a:fld id="{FD633E3A-2A64-4F11-B7C1-BC46A62F886C}" type="datetime1">
               <a:rPr lang="pl-PL" smtClean="0"/>
               <a:pPr/>
-              <a:t>2019-05-05</a:t>
+              <a:t>2019-05-06</a:t>
             </a:fld>
             <a:endParaRPr lang="pl-PL" dirty="0"/>
           </a:p>
@@ -2479,7 +2486,7 @@
             <a:fld id="{F954CE60-097C-4177-B166-3AF23E53212D}" type="datetime1">
               <a:rPr lang="pl-PL" smtClean="0"/>
               <a:pPr/>
-              <a:t>2019-05-05</a:t>
+              <a:t>2019-05-06</a:t>
             </a:fld>
             <a:r>
               <a:rPr lang="pl-PL" dirty="0"/>
@@ -2624,7 +2631,7 @@
             <a:fld id="{2844DE86-FBAA-483E-BC6C-F76A6A3BCCC6}" type="datetime1">
               <a:rPr lang="pl-PL" smtClean="0"/>
               <a:pPr/>
-              <a:t>2019-05-05</a:t>
+              <a:t>2019-05-06</a:t>
             </a:fld>
             <a:endParaRPr lang="pl-PL" dirty="0"/>
           </a:p>
@@ -2746,7 +2753,7 @@
             <a:fld id="{20B817BC-5964-49C1-9EBA-CEACFF41E2FF}" type="datetime1">
               <a:rPr lang="pl-PL" smtClean="0"/>
               <a:pPr/>
-              <a:t>2019-05-05</a:t>
+              <a:t>2019-05-06</a:t>
             </a:fld>
             <a:endParaRPr lang="pl-PL" dirty="0"/>
           </a:p>
@@ -3076,7 +3083,7 @@
             <a:fld id="{E7CED80F-7695-460B-B4CF-B1E146469F51}" type="datetime1">
               <a:rPr lang="pl-PL" smtClean="0"/>
               <a:pPr/>
-              <a:t>2019-05-05</a:t>
+              <a:t>2019-05-06</a:t>
             </a:fld>
             <a:endParaRPr lang="pl-PL" dirty="0"/>
           </a:p>
@@ -3396,7 +3403,7 @@
             <a:fld id="{19C3C562-E774-41B2-ABB1-4021AD5F1031}" type="datetime1">
               <a:rPr lang="pl-PL" smtClean="0"/>
               <a:pPr/>
-              <a:t>2019-05-05</a:t>
+              <a:t>2019-05-06</a:t>
             </a:fld>
             <a:endParaRPr lang="pl-PL" dirty="0"/>
           </a:p>
@@ -3633,7 +3640,7 @@
             <a:fld id="{BA4116C4-17E1-407D-A73E-F145D94BC54C}" type="datetime1">
               <a:rPr lang="pl-PL" smtClean="0"/>
               <a:pPr/>
-              <a:t>2019-05-05</a:t>
+              <a:t>2019-05-06</a:t>
             </a:fld>
             <a:endParaRPr lang="pl-PL" dirty="0"/>
           </a:p>
@@ -4164,7 +4171,7 @@
 </p:sld>
 </file>
 
-<file path=ppt/slides/slide2.xml><?xml version="1.0" encoding="utf-8"?>
+<file path=ppt/slides/slide10.xml><?xml version="1.0" encoding="utf-8"?>
 <p:sld xmlns:a="http://schemas.openxmlformats.org/drawingml/2006/main" xmlns:r="http://schemas.openxmlformats.org/officeDocument/2006/relationships" xmlns:p="http://schemas.openxmlformats.org/presentationml/2006/main">
   <p:cSld>
     <p:spTree>
@@ -4183,113 +4190,176 @@
       </p:grpSpPr>
       <p:sp>
         <p:nvSpPr>
-          <p:cNvPr id="14" name="Zawartość — symbol zastępczy 13"/>
+          <p:cNvPr id="2" name="Tytuł 1">
+            <a:extLst>
+              <a:ext uri="{FF2B5EF4-FFF2-40B4-BE49-F238E27FC236}">
+                <a16:creationId xmlns:a16="http://schemas.microsoft.com/office/drawing/2014/main" id="{4010C0A5-969A-4B2F-89B3-59BFFF3B1226}"/>
+              </a:ext>
+            </a:extLst>
+          </p:cNvPr>
           <p:cNvSpPr>
             <a:spLocks noGrp="1"/>
           </p:cNvSpPr>
           <p:nvPr>
-            <p:ph idx="1"/>
+            <p:ph type="title"/>
+          </p:nvPr>
+        </p:nvSpPr>
+        <p:spPr/>
+        <p:txBody>
+          <a:bodyPr/>
+          <a:lstStyle/>
+          <a:p>
+            <a:r>
+              <a:rPr lang="pl-PL" dirty="0"/>
+              <a:t>Przykłady </a:t>
+            </a:r>
+            <a:r>
+              <a:rPr lang="pl-PL" dirty="0" err="1"/>
+              <a:t>rodzaji</a:t>
+            </a:r>
+            <a:r>
+              <a:rPr lang="pl-PL" dirty="0"/>
+              <a:t> Layoutów</a:t>
+            </a:r>
+          </a:p>
+        </p:txBody>
+      </p:sp>
+      <p:sp>
+        <p:nvSpPr>
+          <p:cNvPr id="6" name="Symbol zastępczy zawartości 5">
+            <a:extLst>
+              <a:ext uri="{FF2B5EF4-FFF2-40B4-BE49-F238E27FC236}">
+                <a16:creationId xmlns:a16="http://schemas.microsoft.com/office/drawing/2014/main" id="{658FCEC4-EB2F-4165-8E83-1557B2728DF2}"/>
+              </a:ext>
+            </a:extLst>
+          </p:cNvPr>
+          <p:cNvSpPr>
+            <a:spLocks noGrp="1"/>
+          </p:cNvSpPr>
+          <p:nvPr>
+            <p:ph sz="quarter" idx="4"/>
           </p:nvPr>
         </p:nvSpPr>
         <p:spPr>
           <a:xfrm>
-            <a:off x="1522413" y="3032225"/>
-            <a:ext cx="9134391" cy="3709143"/>
+            <a:off x="1522411" y="1752600"/>
+            <a:ext cx="9144002" cy="4267201"/>
           </a:xfrm>
         </p:spPr>
         <p:txBody>
-          <a:bodyPr rtlCol="0">
-            <a:normAutofit fontScale="92500" lnSpcReduction="10000"/>
-          </a:bodyPr>
+          <a:bodyPr/>
           <a:lstStyle/>
           <a:p>
+            <a:r>
+              <a:rPr lang="pl-PL" b="1" dirty="0"/>
+              <a:t>CSV</a:t>
+            </a:r>
+            <a:r>
+              <a:rPr lang="pl-PL" dirty="0"/>
+              <a:t> – ten layout tworzy </a:t>
+            </a:r>
+            <a:r>
+              <a:rPr lang="pl-PL" dirty="0" err="1"/>
+              <a:t>comma-separated</a:t>
+            </a:r>
+            <a:r>
+              <a:rPr lang="pl-PL" dirty="0"/>
+              <a:t> </a:t>
+            </a:r>
+            <a:r>
+              <a:rPr lang="pl-PL" dirty="0" err="1"/>
+              <a:t>values</a:t>
+            </a:r>
+            <a:r>
+              <a:rPr lang="pl-PL" dirty="0"/>
+              <a:t> (wartości rozdzielone przecinkiem)</a:t>
+            </a:r>
+          </a:p>
+          <a:p>
+            <a:r>
+              <a:rPr lang="pl-PL" b="1" dirty="0"/>
+              <a:t>GELF</a:t>
+            </a:r>
+            <a:r>
+              <a:rPr lang="pl-PL" dirty="0"/>
+              <a:t> – ten layout kompresuje JSON do GZIP lub ZLIB (zależy od parametru </a:t>
+            </a:r>
+            <a:r>
+              <a:rPr lang="pl-PL" dirty="0" err="1">
+                <a:latin typeface="Consolas" panose="020B0609020204030204" pitchFamily="49" charset="0"/>
+                <a:cs typeface="Consolas" panose="020B0609020204030204" pitchFamily="49" charset="0"/>
+              </a:rPr>
+              <a:t>compressionType</a:t>
+            </a:r>
+            <a:r>
+              <a:rPr lang="pl-PL" dirty="0">
+                <a:cs typeface="Consolas" panose="020B0609020204030204" pitchFamily="49" charset="0"/>
+              </a:rPr>
+              <a:t>)</a:t>
+            </a:r>
+            <a:r>
+              <a:rPr lang="pl-PL" dirty="0">
+                <a:latin typeface="Consolas" panose="020B0609020204030204" pitchFamily="49" charset="0"/>
+                <a:cs typeface="Consolas" panose="020B0609020204030204" pitchFamily="49" charset="0"/>
+              </a:rPr>
+              <a:t> </a:t>
+            </a:r>
+            <a:r>
+              <a:rPr lang="pl-PL" dirty="0">
+                <a:cs typeface="Consolas" panose="020B0609020204030204" pitchFamily="49" charset="0"/>
+              </a:rPr>
+              <a:t>jeżeli waga zdarzenia jest większa od 1024 bajtów (rozmiar ustawiany w parametrze </a:t>
+            </a:r>
+            <a:r>
+              <a:rPr lang="pl-PL" dirty="0" err="1">
+                <a:latin typeface="Consolas" panose="020B0609020204030204" pitchFamily="49" charset="0"/>
+                <a:cs typeface="Consolas" panose="020B0609020204030204" pitchFamily="49" charset="0"/>
+              </a:rPr>
+              <a:t>compressionThreshold</a:t>
+            </a:r>
+            <a:r>
+              <a:rPr lang="pl-PL" dirty="0">
+                <a:cs typeface="Consolas" panose="020B0609020204030204" pitchFamily="49" charset="0"/>
+              </a:rPr>
+              <a:t>)</a:t>
+            </a:r>
+          </a:p>
+          <a:p>
+            <a:r>
+              <a:rPr lang="pl-PL" b="1" dirty="0">
+                <a:cs typeface="Consolas" panose="020B0609020204030204" pitchFamily="49" charset="0"/>
+              </a:rPr>
+              <a:t>HTML Layout</a:t>
+            </a:r>
+            <a:r>
+              <a:rPr lang="pl-PL" dirty="0">
+                <a:cs typeface="Consolas" panose="020B0609020204030204" pitchFamily="49" charset="0"/>
+              </a:rPr>
+              <a:t> – ten layout generuje stronę HTML z tabelą, w której każde kolejne zdarzenie to nowy wiersz w tabeli</a:t>
+            </a:r>
+          </a:p>
+          <a:p>
+            <a:r>
+              <a:rPr lang="pl-PL" b="1" dirty="0">
+                <a:cs typeface="Consolas" panose="020B0609020204030204" pitchFamily="49" charset="0"/>
+              </a:rPr>
+              <a:t>JSON</a:t>
+            </a:r>
+          </a:p>
+          <a:p>
             <a:pPr marL="0" indent="0">
               <a:buNone/>
             </a:pPr>
-            <a:r>
-              <a:rPr lang="pl-PL" dirty="0"/>
-              <a:t>Apache Log4J jest to biblioteka języka programowania Java służąca do tworzenia logów podczas działania aplikacji.</a:t>
-            </a:r>
-          </a:p>
-          <a:p>
-            <a:pPr marL="0" indent="0">
-              <a:buNone/>
-            </a:pPr>
-            <a:r>
-              <a:rPr lang="pl-PL" dirty="0"/>
-              <a:t>Dzięki możliwości konfiguracji za pomocą zewnętrznych plików zmiana zachowania mechanizmu logowania nie wymaga ponownej kompilacji. Istnieje możliwość rozszerzania istniejących funkcjonalności przez zaimplementowanie własnych poziomów logowania czy też obiektów miejsc przeznaczenia logów.</a:t>
-            </a:r>
-          </a:p>
-          <a:p>
-            <a:pPr marL="0" indent="0">
-              <a:buNone/>
-            </a:pPr>
-            <a:r>
-              <a:rPr lang="pl-PL" dirty="0"/>
-              <a:t>Obiekty różnych typów tworzą struktury drzewiaste. Relacje między elementami tej struktury są analogiczne jak w XML tzn. występują dzieci, rodzice, przodkowie i potomkowie. Różne właściwości danego obiektu mogą być propagowane na jego dzieci.</a:t>
-            </a:r>
-          </a:p>
-          <a:p>
-            <a:pPr marL="0" indent="0">
-              <a:buNone/>
-            </a:pPr>
-            <a:endParaRPr lang="pl-PL" dirty="0"/>
-          </a:p>
-          <a:p>
-            <a:pPr marL="0" indent="0">
-              <a:buNone/>
-            </a:pPr>
-            <a:endParaRPr lang="pl-PL" dirty="0"/>
+            <a:endParaRPr lang="pl-PL" b="1" dirty="0">
+              <a:cs typeface="Consolas" panose="020B0609020204030204" pitchFamily="49" charset="0"/>
+            </a:endParaRPr>
           </a:p>
         </p:txBody>
       </p:sp>
-      <p:pic>
-        <p:nvPicPr>
-          <p:cNvPr id="3" name="Obraz 2">
-            <a:extLst>
-              <a:ext uri="{FF2B5EF4-FFF2-40B4-BE49-F238E27FC236}">
-                <a16:creationId xmlns:a16="http://schemas.microsoft.com/office/drawing/2014/main" id="{F50087EF-5646-4417-AC17-CF3F61B7EEF7}"/>
-              </a:ext>
-            </a:extLst>
-          </p:cNvPr>
-          <p:cNvPicPr>
-            <a:picLocks noChangeAspect="1"/>
-          </p:cNvPicPr>
-          <p:nvPr/>
-        </p:nvPicPr>
-        <p:blipFill>
-          <a:blip r:embed="rId2">
-            <a:extLst>
-              <a:ext uri="{28A0092B-C50C-407E-A947-70E740481C1C}">
-                <a14:useLocalDpi xmlns:a14="http://schemas.microsoft.com/office/drawing/2010/main" val="0"/>
-              </a:ext>
-            </a:extLst>
-          </a:blip>
-          <a:stretch>
-            <a:fillRect/>
-          </a:stretch>
-        </p:blipFill>
-        <p:spPr>
-          <a:xfrm>
-            <a:off x="2061964" y="116632"/>
-            <a:ext cx="7589396" cy="2915593"/>
-          </a:xfrm>
-          <a:prstGeom prst="rect">
-            <a:avLst/>
-          </a:prstGeom>
-          <a:effectLst>
-            <a:outerShdw blurRad="50800" dist="50800" dir="5400000" algn="ctr" rotWithShape="0">
-              <a:schemeClr val="tx1">
-                <a:alpha val="13000"/>
-              </a:schemeClr>
-            </a:outerShdw>
-          </a:effectLst>
-        </p:spPr>
-      </p:pic>
     </p:spTree>
     <p:extLst>
       <p:ext uri="{BB962C8B-B14F-4D97-AF65-F5344CB8AC3E}">
-        <p14:creationId xmlns:p14="http://schemas.microsoft.com/office/powerpoint/2010/main" val="2139132589"/>
+        <p14:creationId xmlns:p14="http://schemas.microsoft.com/office/powerpoint/2010/main" val="3615028177"/>
       </p:ext>
     </p:extLst>
   </p:cSld>
@@ -4311,778 +4381,7 @@
 </p:sld>
 </file>
 
-<file path=ppt/slides/slide3.xml><?xml version="1.0" encoding="utf-8"?>
-<p:sld xmlns:a="http://schemas.openxmlformats.org/drawingml/2006/main" xmlns:r="http://schemas.openxmlformats.org/officeDocument/2006/relationships" xmlns:p="http://schemas.openxmlformats.org/presentationml/2006/main">
-  <p:cSld>
-    <p:spTree>
-      <p:nvGrpSpPr>
-        <p:cNvPr id="1" name=""/>
-        <p:cNvGrpSpPr/>
-        <p:nvPr/>
-      </p:nvGrpSpPr>
-      <p:grpSpPr>
-        <a:xfrm>
-          <a:off x="0" y="0"/>
-          <a:ext cx="0" cy="0"/>
-          <a:chOff x="0" y="0"/>
-          <a:chExt cx="0" cy="0"/>
-        </a:xfrm>
-      </p:grpSpPr>
-      <p:sp>
-        <p:nvSpPr>
-          <p:cNvPr id="4" name="Tytuł 3">
-            <a:extLst>
-              <a:ext uri="{FF2B5EF4-FFF2-40B4-BE49-F238E27FC236}">
-                <a16:creationId xmlns:a16="http://schemas.microsoft.com/office/drawing/2014/main" id="{EDA93308-B530-4F9F-824B-B3459F7AA0D5}"/>
-              </a:ext>
-            </a:extLst>
-          </p:cNvPr>
-          <p:cNvSpPr>
-            <a:spLocks noGrp="1"/>
-          </p:cNvSpPr>
-          <p:nvPr>
-            <p:ph type="title"/>
-          </p:nvPr>
-        </p:nvSpPr>
-        <p:spPr/>
-        <p:txBody>
-          <a:bodyPr/>
-          <a:lstStyle/>
-          <a:p>
-            <a:r>
-              <a:rPr lang="pl-PL" dirty="0"/>
-              <a:t>Apache Log4j 2</a:t>
-            </a:r>
-          </a:p>
-        </p:txBody>
-      </p:sp>
-      <p:sp>
-        <p:nvSpPr>
-          <p:cNvPr id="5" name="pole tekstowe 4">
-            <a:extLst>
-              <a:ext uri="{FF2B5EF4-FFF2-40B4-BE49-F238E27FC236}">
-                <a16:creationId xmlns:a16="http://schemas.microsoft.com/office/drawing/2014/main" id="{A06BAFF7-88D4-4B3B-BD04-678EA47A48EB}"/>
-              </a:ext>
-            </a:extLst>
-          </p:cNvPr>
-          <p:cNvSpPr txBox="1"/>
-          <p:nvPr/>
-        </p:nvSpPr>
-        <p:spPr>
-          <a:xfrm>
-            <a:off x="1522413" y="2276872"/>
-            <a:ext cx="9937104" cy="3139321"/>
-          </a:xfrm>
-          <a:prstGeom prst="rect">
-            <a:avLst/>
-          </a:prstGeom>
-          <a:noFill/>
-        </p:spPr>
-        <p:txBody>
-          <a:bodyPr wrap="square" rtlCol="0">
-            <a:spAutoFit/>
-          </a:bodyPr>
-          <a:lstStyle/>
-          <a:p>
-            <a:r>
-              <a:rPr lang="pl-PL" dirty="0"/>
-              <a:t>W czerwcu 2014 został wydany następca Log4J 1, Apache Log4j 2. Biblioteka została napisana od początku, główne różnice między wersją Log4J 1 są następujące:</a:t>
-            </a:r>
-          </a:p>
-          <a:p>
-            <a:pPr marL="285750" indent="-285750">
-              <a:buFont typeface="Arial" panose="020B0604020202020204" pitchFamily="34" charset="0"/>
-              <a:buChar char="•"/>
-            </a:pPr>
-            <a:r>
-              <a:rPr lang="pl-PL" b="1" dirty="0"/>
-              <a:t>Poprawiona niezawodność </a:t>
-            </a:r>
-            <a:r>
-              <a:rPr lang="pl-PL" dirty="0"/>
-              <a:t>- Wiadomości nie są tracone podczas rekonfiguracji struktury jak w Log4J 1 lub </a:t>
-            </a:r>
-            <a:r>
-              <a:rPr lang="pl-PL" dirty="0" err="1"/>
-              <a:t>Logack</a:t>
-            </a:r>
-            <a:r>
-              <a:rPr lang="pl-PL" dirty="0"/>
-              <a:t>.</a:t>
-            </a:r>
-          </a:p>
-          <a:p>
-            <a:pPr marL="285750" indent="-285750">
-              <a:buFont typeface="Arial" panose="020B0604020202020204" pitchFamily="34" charset="0"/>
-              <a:buChar char="•"/>
-            </a:pPr>
-            <a:r>
-              <a:rPr lang="pl-PL" b="1" dirty="0"/>
-              <a:t>Rozszerzalność</a:t>
-            </a:r>
-            <a:r>
-              <a:rPr lang="pl-PL" dirty="0"/>
-              <a:t> - Log4J 2 obsługuje system wtyczek, aby umożliwić użytkownikom definiowanie i konfigurowanie niestandardowych komponentów</a:t>
-            </a:r>
-          </a:p>
-          <a:p>
-            <a:pPr marL="285750" indent="-285750">
-              <a:buFont typeface="Arial" panose="020B0604020202020204" pitchFamily="34" charset="0"/>
-              <a:buChar char="•"/>
-            </a:pPr>
-            <a:r>
-              <a:rPr lang="pl-PL" b="1" dirty="0"/>
-              <a:t>Uproszczona składnia konfiguracji</a:t>
-            </a:r>
-          </a:p>
-          <a:p>
-            <a:pPr marL="285750" indent="-285750">
-              <a:buFont typeface="Arial" panose="020B0604020202020204" pitchFamily="34" charset="0"/>
-              <a:buChar char="•"/>
-            </a:pPr>
-            <a:r>
-              <a:rPr lang="pl-PL" b="1" dirty="0"/>
-              <a:t>Obsługa XML, JSON, YAML</a:t>
-            </a:r>
-          </a:p>
-          <a:p>
-            <a:pPr marL="285750" indent="-285750">
-              <a:buFont typeface="Arial" panose="020B0604020202020204" pitchFamily="34" charset="0"/>
-              <a:buChar char="•"/>
-            </a:pPr>
-            <a:r>
-              <a:rPr lang="pl-PL" b="1" dirty="0"/>
-              <a:t>Obsługa wielu API - </a:t>
-            </a:r>
-            <a:r>
-              <a:rPr lang="pl-PL" dirty="0"/>
-              <a:t>Log4J 2 może być używany z aplikacjami korzystających z Log4J 2, Log4j 1.2, SLF4J, </a:t>
-            </a:r>
-            <a:r>
-              <a:rPr lang="pl-PL" dirty="0" err="1"/>
-              <a:t>Commons</a:t>
-            </a:r>
-            <a:r>
-              <a:rPr lang="pl-PL" dirty="0"/>
-              <a:t> </a:t>
-            </a:r>
-            <a:r>
-              <a:rPr lang="pl-PL" dirty="0" err="1"/>
-              <a:t>Logging</a:t>
-            </a:r>
-            <a:r>
-              <a:rPr lang="pl-PL" dirty="0"/>
-              <a:t> i </a:t>
-            </a:r>
-            <a:r>
-              <a:rPr lang="pl-PL" dirty="0" err="1"/>
-              <a:t>java.util.logging</a:t>
-            </a:r>
-            <a:r>
-              <a:rPr lang="pl-PL" dirty="0"/>
-              <a:t> (JUL)</a:t>
-            </a:r>
-          </a:p>
-          <a:p>
-            <a:pPr marL="285750" indent="-285750">
-              <a:buFont typeface="Arial" panose="020B0604020202020204" pitchFamily="34" charset="0"/>
-              <a:buChar char="•"/>
-            </a:pPr>
-            <a:r>
-              <a:rPr lang="pl-PL" b="1" dirty="0"/>
-              <a:t>Poprawa szybkość</a:t>
-            </a:r>
-          </a:p>
-        </p:txBody>
-      </p:sp>
-    </p:spTree>
-    <p:extLst>
-      <p:ext uri="{BB962C8B-B14F-4D97-AF65-F5344CB8AC3E}">
-        <p14:creationId xmlns:p14="http://schemas.microsoft.com/office/powerpoint/2010/main" val="3106206852"/>
-      </p:ext>
-    </p:extLst>
-  </p:cSld>
-  <p:clrMapOvr>
-    <a:masterClrMapping/>
-  </p:clrMapOvr>
-  <mc:AlternateContent xmlns:mc="http://schemas.openxmlformats.org/markup-compatibility/2006" xmlns:p14="http://schemas.microsoft.com/office/powerpoint/2010/main">
-    <mc:Choice Requires="p14">
-      <p:transition spd="med" p14:dur="700">
-        <p:fade/>
-      </p:transition>
-    </mc:Choice>
-    <mc:Fallback xmlns="">
-      <p:transition spd="med">
-        <p:fade/>
-      </p:transition>
-    </mc:Fallback>
-  </mc:AlternateContent>
-</p:sld>
-</file>
-
-<file path=ppt/slides/slide4.xml><?xml version="1.0" encoding="utf-8"?>
-<p:sld xmlns:a="http://schemas.openxmlformats.org/drawingml/2006/main" xmlns:r="http://schemas.openxmlformats.org/officeDocument/2006/relationships" xmlns:p="http://schemas.openxmlformats.org/presentationml/2006/main">
-  <p:cSld>
-    <p:spTree>
-      <p:nvGrpSpPr>
-        <p:cNvPr id="1" name=""/>
-        <p:cNvGrpSpPr/>
-        <p:nvPr/>
-      </p:nvGrpSpPr>
-      <p:grpSpPr>
-        <a:xfrm>
-          <a:off x="0" y="0"/>
-          <a:ext cx="0" cy="0"/>
-          <a:chOff x="0" y="0"/>
-          <a:chExt cx="0" cy="0"/>
-        </a:xfrm>
-      </p:grpSpPr>
-      <p:sp>
-        <p:nvSpPr>
-          <p:cNvPr id="2" name="Tytuł 1"/>
-          <p:cNvSpPr>
-            <a:spLocks noGrp="1"/>
-          </p:cNvSpPr>
-          <p:nvPr>
-            <p:ph type="title"/>
-          </p:nvPr>
-        </p:nvSpPr>
-        <p:spPr/>
-        <p:txBody>
-          <a:bodyPr rtlCol="0"/>
-          <a:lstStyle/>
-          <a:p>
-            <a:pPr rtl="0"/>
-            <a:r>
-              <a:rPr lang="pl-PL" dirty="0"/>
-              <a:t>Poziomy logów Log4J</a:t>
-            </a:r>
-          </a:p>
-        </p:txBody>
-      </p:sp>
-      <p:graphicFrame>
-        <p:nvGraphicFramePr>
-          <p:cNvPr id="8" name="Symbol zastępczy zawartości 7">
-            <a:extLst>
-              <a:ext uri="{FF2B5EF4-FFF2-40B4-BE49-F238E27FC236}">
-                <a16:creationId xmlns:a16="http://schemas.microsoft.com/office/drawing/2014/main" id="{6D10EA2C-A497-4346-A3DC-E02E2EDC3E68}"/>
-              </a:ext>
-            </a:extLst>
-          </p:cNvPr>
-          <p:cNvGraphicFramePr>
-            <a:graphicFrameLocks noGrp="1"/>
-          </p:cNvGraphicFramePr>
-          <p:nvPr>
-            <p:ph sz="half" idx="1"/>
-            <p:extLst>
-              <p:ext uri="{D42A27DB-BD31-4B8C-83A1-F6EECF244321}">
-                <p14:modId xmlns:p14="http://schemas.microsoft.com/office/powerpoint/2010/main" val="3068382242"/>
-              </p:ext>
-            </p:extLst>
-          </p:nvPr>
-        </p:nvGraphicFramePr>
-        <p:xfrm>
-          <a:off x="1504950" y="1905000"/>
-          <a:ext cx="10134078" cy="3235960"/>
-        </p:xfrm>
-        <a:graphic>
-          <a:graphicData uri="http://schemas.openxmlformats.org/drawingml/2006/table">
-            <a:tbl>
-              <a:tblPr firstRow="1" bandRow="1">
-                <a:tableStyleId>{073A0DAA-6AF3-43AB-8588-CEC1D06C72B9}</a:tableStyleId>
-              </a:tblPr>
-              <a:tblGrid>
-                <a:gridCol w="2433018">
-                  <a:extLst>
-                    <a:ext uri="{9D8B030D-6E8A-4147-A177-3AD203B41FA5}">
-                      <a16:colId xmlns:a16="http://schemas.microsoft.com/office/drawing/2014/main" val="2652375230"/>
-                    </a:ext>
-                  </a:extLst>
-                </a:gridCol>
-                <a:gridCol w="7701060">
-                  <a:extLst>
-                    <a:ext uri="{9D8B030D-6E8A-4147-A177-3AD203B41FA5}">
-                      <a16:colId xmlns:a16="http://schemas.microsoft.com/office/drawing/2014/main" val="333962979"/>
-                    </a:ext>
-                  </a:extLst>
-                </a:gridCol>
-              </a:tblGrid>
-              <a:tr h="370840">
-                <a:tc>
-                  <a:txBody>
-                    <a:bodyPr/>
-                    <a:lstStyle/>
-                    <a:p>
-                      <a:r>
-                        <a:rPr lang="pl-PL" dirty="0"/>
-                        <a:t>Poziom</a:t>
-                      </a:r>
-                    </a:p>
-                  </a:txBody>
-                  <a:tcPr/>
-                </a:tc>
-                <a:tc>
-                  <a:txBody>
-                    <a:bodyPr/>
-                    <a:lstStyle/>
-                    <a:p>
-                      <a:r>
-                        <a:rPr lang="pl-PL" dirty="0"/>
-                        <a:t>Opis</a:t>
-                      </a:r>
-                    </a:p>
-                  </a:txBody>
-                  <a:tcPr/>
-                </a:tc>
-                <a:extLst>
-                  <a:ext uri="{0D108BD9-81ED-4DB2-BD59-A6C34878D82A}">
-                    <a16:rowId xmlns:a16="http://schemas.microsoft.com/office/drawing/2014/main" val="2960131182"/>
-                  </a:ext>
-                </a:extLst>
-              </a:tr>
-              <a:tr h="370840">
-                <a:tc>
-                  <a:txBody>
-                    <a:bodyPr/>
-                    <a:lstStyle/>
-                    <a:p>
-                      <a:r>
-                        <a:rPr lang="pl-PL" dirty="0"/>
-                        <a:t>OFF</a:t>
-                      </a:r>
-                    </a:p>
-                  </a:txBody>
-                  <a:tcPr/>
-                </a:tc>
-                <a:tc>
-                  <a:txBody>
-                    <a:bodyPr/>
-                    <a:lstStyle/>
-                    <a:p>
-                      <a:r>
-                        <a:rPr lang="pl-PL" dirty="0"/>
-                        <a:t>Wyłączenie logowania</a:t>
-                      </a:r>
-                    </a:p>
-                  </a:txBody>
-                  <a:tcPr/>
-                </a:tc>
-                <a:extLst>
-                  <a:ext uri="{0D108BD9-81ED-4DB2-BD59-A6C34878D82A}">
-                    <a16:rowId xmlns:a16="http://schemas.microsoft.com/office/drawing/2014/main" val="219512693"/>
-                  </a:ext>
-                </a:extLst>
-              </a:tr>
-              <a:tr h="370840">
-                <a:tc>
-                  <a:txBody>
-                    <a:bodyPr/>
-                    <a:lstStyle/>
-                    <a:p>
-                      <a:r>
-                        <a:rPr lang="pl-PL" dirty="0"/>
-                        <a:t>FATAL</a:t>
-                      </a:r>
-                    </a:p>
-                  </a:txBody>
-                  <a:tcPr/>
-                </a:tc>
-                <a:tc>
-                  <a:txBody>
-                    <a:bodyPr/>
-                    <a:lstStyle/>
-                    <a:p>
-                      <a:r>
-                        <a:rPr lang="pl-PL" dirty="0"/>
-                        <a:t>Poważne błędy, które  powodują przedwczesne wyłączenie programu</a:t>
-                      </a:r>
-                    </a:p>
-                  </a:txBody>
-                  <a:tcPr/>
-                </a:tc>
-                <a:extLst>
-                  <a:ext uri="{0D108BD9-81ED-4DB2-BD59-A6C34878D82A}">
-                    <a16:rowId xmlns:a16="http://schemas.microsoft.com/office/drawing/2014/main" val="1070026249"/>
-                  </a:ext>
-                </a:extLst>
-              </a:tr>
-              <a:tr h="370840">
-                <a:tc>
-                  <a:txBody>
-                    <a:bodyPr/>
-                    <a:lstStyle/>
-                    <a:p>
-                      <a:r>
-                        <a:rPr lang="pl-PL" dirty="0"/>
-                        <a:t>ERROR</a:t>
-                      </a:r>
-                    </a:p>
-                  </a:txBody>
-                  <a:tcPr/>
-                </a:tc>
-                <a:tc>
-                  <a:txBody>
-                    <a:bodyPr/>
-                    <a:lstStyle/>
-                    <a:p>
-                      <a:r>
-                        <a:rPr lang="pl-PL" dirty="0"/>
-                        <a:t>Inne błędy w czasie wykonywania lub nieoczekiwane warunki</a:t>
-                      </a:r>
-                    </a:p>
-                  </a:txBody>
-                  <a:tcPr/>
-                </a:tc>
-                <a:extLst>
-                  <a:ext uri="{0D108BD9-81ED-4DB2-BD59-A6C34878D82A}">
-                    <a16:rowId xmlns:a16="http://schemas.microsoft.com/office/drawing/2014/main" val="3736262608"/>
-                  </a:ext>
-                </a:extLst>
-              </a:tr>
-              <a:tr h="370840">
-                <a:tc>
-                  <a:txBody>
-                    <a:bodyPr/>
-                    <a:lstStyle/>
-                    <a:p>
-                      <a:r>
-                        <a:rPr lang="pl-PL" dirty="0"/>
-                        <a:t>WARN</a:t>
-                      </a:r>
-                    </a:p>
-                  </a:txBody>
-                  <a:tcPr/>
-                </a:tc>
-                <a:tc>
-                  <a:txBody>
-                    <a:bodyPr/>
-                    <a:lstStyle/>
-                    <a:p>
-                      <a:r>
-                        <a:rPr lang="pl-PL" dirty="0"/>
-                        <a:t>Używanie przestarzałych API, niepoprawne wykorzystanie API, inne sytuacje niepożądane lub nieoczekiwane, ale niekoniecznie „złe”</a:t>
-                      </a:r>
-                    </a:p>
-                  </a:txBody>
-                  <a:tcPr/>
-                </a:tc>
-                <a:extLst>
-                  <a:ext uri="{0D108BD9-81ED-4DB2-BD59-A6C34878D82A}">
-                    <a16:rowId xmlns:a16="http://schemas.microsoft.com/office/drawing/2014/main" val="385563955"/>
-                  </a:ext>
-                </a:extLst>
-              </a:tr>
-              <a:tr h="370840">
-                <a:tc>
-                  <a:txBody>
-                    <a:bodyPr/>
-                    <a:lstStyle/>
-                    <a:p>
-                      <a:r>
-                        <a:rPr lang="pl-PL" dirty="0"/>
-                        <a:t>INFO</a:t>
-                      </a:r>
-                    </a:p>
-                  </a:txBody>
-                  <a:tcPr/>
-                </a:tc>
-                <a:tc>
-                  <a:txBody>
-                    <a:bodyPr/>
-                    <a:lstStyle/>
-                    <a:p>
-                      <a:r>
-                        <a:rPr lang="pl-PL" dirty="0"/>
-                        <a:t>Interesujące zdarzenia w czasie wykonywania (np. uruchamianie, zamykanie)</a:t>
-                      </a:r>
-                    </a:p>
-                  </a:txBody>
-                  <a:tcPr/>
-                </a:tc>
-                <a:extLst>
-                  <a:ext uri="{0D108BD9-81ED-4DB2-BD59-A6C34878D82A}">
-                    <a16:rowId xmlns:a16="http://schemas.microsoft.com/office/drawing/2014/main" val="2301537879"/>
-                  </a:ext>
-                </a:extLst>
-              </a:tr>
-              <a:tr h="370840">
-                <a:tc>
-                  <a:txBody>
-                    <a:bodyPr/>
-                    <a:lstStyle/>
-                    <a:p>
-                      <a:r>
-                        <a:rPr lang="pl-PL" dirty="0"/>
-                        <a:t>DEBUG</a:t>
-                      </a:r>
-                    </a:p>
-                  </a:txBody>
-                  <a:tcPr/>
-                </a:tc>
-                <a:tc>
-                  <a:txBody>
-                    <a:bodyPr/>
-                    <a:lstStyle/>
-                    <a:p>
-                      <a:r>
-                        <a:rPr lang="pl-PL" dirty="0"/>
-                        <a:t>Szczegółowe informacje na temat uruchomionego programu</a:t>
-                      </a:r>
-                    </a:p>
-                  </a:txBody>
-                  <a:tcPr/>
-                </a:tc>
-                <a:extLst>
-                  <a:ext uri="{0D108BD9-81ED-4DB2-BD59-A6C34878D82A}">
-                    <a16:rowId xmlns:a16="http://schemas.microsoft.com/office/drawing/2014/main" val="3420037750"/>
-                  </a:ext>
-                </a:extLst>
-              </a:tr>
-              <a:tr h="370840">
-                <a:tc>
-                  <a:txBody>
-                    <a:bodyPr/>
-                    <a:lstStyle/>
-                    <a:p>
-                      <a:r>
-                        <a:rPr lang="pl-PL" dirty="0"/>
-                        <a:t>TRACE</a:t>
-                      </a:r>
-                    </a:p>
-                  </a:txBody>
-                  <a:tcPr/>
-                </a:tc>
-                <a:tc>
-                  <a:txBody>
-                    <a:bodyPr/>
-                    <a:lstStyle/>
-                    <a:p>
-                      <a:r>
-                        <a:rPr lang="pl-PL" dirty="0"/>
-                        <a:t>Najbardziej szczegółowe informacje</a:t>
-                      </a:r>
-                    </a:p>
-                  </a:txBody>
-                  <a:tcPr/>
-                </a:tc>
-                <a:extLst>
-                  <a:ext uri="{0D108BD9-81ED-4DB2-BD59-A6C34878D82A}">
-                    <a16:rowId xmlns:a16="http://schemas.microsoft.com/office/drawing/2014/main" val="4264708005"/>
-                  </a:ext>
-                </a:extLst>
-              </a:tr>
-            </a:tbl>
-          </a:graphicData>
-        </a:graphic>
-      </p:graphicFrame>
-    </p:spTree>
-    <p:extLst>
-      <p:ext uri="{BB962C8B-B14F-4D97-AF65-F5344CB8AC3E}">
-        <p14:creationId xmlns:p14="http://schemas.microsoft.com/office/powerpoint/2010/main" val="4206988261"/>
-      </p:ext>
-    </p:extLst>
-  </p:cSld>
-  <p:clrMapOvr>
-    <a:masterClrMapping/>
-  </p:clrMapOvr>
-  <mc:AlternateContent xmlns:mc="http://schemas.openxmlformats.org/markup-compatibility/2006" xmlns:p14="http://schemas.microsoft.com/office/powerpoint/2010/main">
-    <mc:Choice Requires="p14">
-      <p:transition spd="med" p14:dur="700">
-        <p:fade/>
-      </p:transition>
-    </mc:Choice>
-    <mc:Fallback xmlns="">
-      <p:transition spd="med">
-        <p:fade/>
-      </p:transition>
-    </mc:Fallback>
-  </mc:AlternateContent>
-</p:sld>
-</file>
-
-<file path=ppt/slides/slide5.xml><?xml version="1.0" encoding="utf-8"?>
-<p:sld xmlns:a="http://schemas.openxmlformats.org/drawingml/2006/main" xmlns:r="http://schemas.openxmlformats.org/officeDocument/2006/relationships" xmlns:p="http://schemas.openxmlformats.org/presentationml/2006/main">
-  <p:cSld>
-    <p:spTree>
-      <p:nvGrpSpPr>
-        <p:cNvPr id="1" name=""/>
-        <p:cNvGrpSpPr/>
-        <p:nvPr/>
-      </p:nvGrpSpPr>
-      <p:grpSpPr>
-        <a:xfrm>
-          <a:off x="0" y="0"/>
-          <a:ext cx="0" cy="0"/>
-          <a:chOff x="0" y="0"/>
-          <a:chExt cx="0" cy="0"/>
-        </a:xfrm>
-      </p:grpSpPr>
-      <p:sp>
-        <p:nvSpPr>
-          <p:cNvPr id="2" name="Tytuł 1"/>
-          <p:cNvSpPr>
-            <a:spLocks noGrp="1"/>
-          </p:cNvSpPr>
-          <p:nvPr>
-            <p:ph type="title"/>
-          </p:nvPr>
-        </p:nvSpPr>
-        <p:spPr/>
-        <p:txBody>
-          <a:bodyPr rtlCol="0"/>
-          <a:lstStyle/>
-          <a:p>
-            <a:pPr rtl="0"/>
-            <a:r>
-              <a:rPr lang="pl-PL" dirty="0"/>
-              <a:t>Konfiguracja</a:t>
-            </a:r>
-          </a:p>
-        </p:txBody>
-      </p:sp>
-      <p:sp>
-        <p:nvSpPr>
-          <p:cNvPr id="9" name="pole tekstowe 8">
-            <a:extLst>
-              <a:ext uri="{FF2B5EF4-FFF2-40B4-BE49-F238E27FC236}">
-                <a16:creationId xmlns:a16="http://schemas.microsoft.com/office/drawing/2014/main" id="{C98138AD-2794-4EA6-B796-4F9C03221DB4}"/>
-              </a:ext>
-            </a:extLst>
-          </p:cNvPr>
-          <p:cNvSpPr txBox="1"/>
-          <p:nvPr/>
-        </p:nvSpPr>
-        <p:spPr>
-          <a:xfrm>
-            <a:off x="1522413" y="1988840"/>
-            <a:ext cx="9505056" cy="2585323"/>
-          </a:xfrm>
-          <a:prstGeom prst="rect">
-            <a:avLst/>
-          </a:prstGeom>
-          <a:noFill/>
-        </p:spPr>
-        <p:txBody>
-          <a:bodyPr wrap="square" rtlCol="0">
-            <a:spAutoFit/>
-          </a:bodyPr>
-          <a:lstStyle/>
-          <a:p>
-            <a:r>
-              <a:rPr lang="pl-PL" dirty="0"/>
-              <a:t>Log4J może być skonfigurowany przez plik konfiguracyjny lub przez kod Java. Pliki konfiguracyjne mogą być w formacie XML, JSON, YAML albo .</a:t>
-            </a:r>
-            <a:r>
-              <a:rPr lang="pl-PL" dirty="0" err="1"/>
-              <a:t>properies</a:t>
-            </a:r>
-            <a:r>
-              <a:rPr lang="pl-PL" dirty="0"/>
-              <a:t>. W konfiguracji możemy zdefiniować trzy główne komponenty: </a:t>
-            </a:r>
-            <a:r>
-              <a:rPr lang="pl-PL" dirty="0" err="1"/>
-              <a:t>Logger</a:t>
-            </a:r>
-            <a:r>
-              <a:rPr lang="pl-PL" dirty="0"/>
-              <a:t>, </a:t>
-            </a:r>
-            <a:r>
-              <a:rPr lang="pl-PL" dirty="0" err="1"/>
-              <a:t>Appender</a:t>
-            </a:r>
-            <a:r>
-              <a:rPr lang="pl-PL" dirty="0"/>
-              <a:t>, Layout. Konfiguracja logowania przez plik ma tą przewagę że logowanie </a:t>
-            </a:r>
-            <a:r>
-              <a:rPr lang="pl-PL" dirty="0" err="1"/>
-              <a:t>mże</a:t>
-            </a:r>
-            <a:r>
-              <a:rPr lang="pl-PL" dirty="0"/>
-              <a:t> być włączane oraz wyłączane bez potrzeby modyfikowania aplikacji, która używa Log4J. </a:t>
-            </a:r>
-          </a:p>
-          <a:p>
-            <a:pPr marL="285750" indent="-285750">
-              <a:buFont typeface="Arial" panose="020B0604020202020204" pitchFamily="34" charset="0"/>
-              <a:buChar char="•"/>
-            </a:pPr>
-            <a:r>
-              <a:rPr lang="pl-PL" b="1" dirty="0" err="1"/>
-              <a:t>Loggery</a:t>
-            </a:r>
-            <a:r>
-              <a:rPr lang="pl-PL" dirty="0"/>
-              <a:t> są to obiekty posiadające metody, które tworzą logi i ustawiają im odpowiedni priorytet.</a:t>
-            </a:r>
-          </a:p>
-          <a:p>
-            <a:pPr marL="285750" indent="-285750">
-              <a:buFont typeface="Arial" panose="020B0604020202020204" pitchFamily="34" charset="0"/>
-              <a:buChar char="•"/>
-            </a:pPr>
-            <a:r>
-              <a:rPr lang="pl-PL" b="1" dirty="0" err="1"/>
-              <a:t>Appendery</a:t>
-            </a:r>
-            <a:r>
-              <a:rPr lang="pl-PL" dirty="0"/>
-              <a:t> są to obiekty, w których </a:t>
-            </a:r>
-            <a:r>
-              <a:rPr lang="pl-PL" dirty="0" err="1"/>
-              <a:t>sa</a:t>
-            </a:r>
-            <a:r>
-              <a:rPr lang="pl-PL" dirty="0"/>
-              <a:t> definiowane miejsca do których mogą trafić logi.</a:t>
-            </a:r>
-          </a:p>
-          <a:p>
-            <a:pPr marL="285750" indent="-285750">
-              <a:buFont typeface="Arial" panose="020B0604020202020204" pitchFamily="34" charset="0"/>
-              <a:buChar char="•"/>
-            </a:pPr>
-            <a:r>
-              <a:rPr lang="pl-PL" b="1" dirty="0"/>
-              <a:t>Layouty</a:t>
-            </a:r>
-            <a:r>
-              <a:rPr lang="pl-PL" dirty="0"/>
-              <a:t> są obiekty, które decydują o postaci jakie mają mieć komunikaty.</a:t>
-            </a:r>
-          </a:p>
-        </p:txBody>
-      </p:sp>
-    </p:spTree>
-    <p:extLst>
-      <p:ext uri="{BB962C8B-B14F-4D97-AF65-F5344CB8AC3E}">
-        <p14:creationId xmlns:p14="http://schemas.microsoft.com/office/powerpoint/2010/main" val="2681425051"/>
-      </p:ext>
-    </p:extLst>
-  </p:cSld>
-  <p:clrMapOvr>
-    <a:masterClrMapping/>
-  </p:clrMapOvr>
-  <mc:AlternateContent xmlns:mc="http://schemas.openxmlformats.org/markup-compatibility/2006" xmlns:p14="http://schemas.microsoft.com/office/powerpoint/2010/main">
-    <mc:Choice Requires="p14">
-      <p:transition spd="med" p14:dur="700">
-        <p:fade/>
-      </p:transition>
-    </mc:Choice>
-    <mc:Fallback xmlns="">
-      <p:transition spd="med">
-        <p:fade/>
-      </p:transition>
-    </mc:Fallback>
-  </mc:AlternateContent>
-</p:sld>
-</file>
-
-<file path=ppt/slides/slide6.xml><?xml version="1.0" encoding="utf-8"?>
+<file path=ppt/slides/slide11.xml><?xml version="1.0" encoding="utf-8"?>
 <p:sld xmlns:a="http://schemas.openxmlformats.org/drawingml/2006/main" xmlns:r="http://schemas.openxmlformats.org/officeDocument/2006/relationships" xmlns:p="http://schemas.openxmlformats.org/presentationml/2006/main">
   <p:cSld>
     <p:spTree>
@@ -5714,7 +5013,464 @@
 </p:sld>
 </file>
 
-<file path=ppt/slides/slide7.xml><?xml version="1.0" encoding="utf-8"?>
+<file path=ppt/slides/slide12.xml><?xml version="1.0" encoding="utf-8"?>
+<p:sld xmlns:a="http://schemas.openxmlformats.org/drawingml/2006/main" xmlns:r="http://schemas.openxmlformats.org/officeDocument/2006/relationships" xmlns:p="http://schemas.openxmlformats.org/presentationml/2006/main">
+  <p:cSld>
+    <p:spTree>
+      <p:nvGrpSpPr>
+        <p:cNvPr id="1" name=""/>
+        <p:cNvGrpSpPr/>
+        <p:nvPr/>
+      </p:nvGrpSpPr>
+      <p:grpSpPr>
+        <a:xfrm>
+          <a:off x="0" y="0"/>
+          <a:ext cx="0" cy="0"/>
+          <a:chOff x="0" y="0"/>
+          <a:chExt cx="0" cy="0"/>
+        </a:xfrm>
+      </p:grpSpPr>
+      <p:sp>
+        <p:nvSpPr>
+          <p:cNvPr id="2" name="Tytuł 1">
+            <a:extLst>
+              <a:ext uri="{FF2B5EF4-FFF2-40B4-BE49-F238E27FC236}">
+                <a16:creationId xmlns:a16="http://schemas.microsoft.com/office/drawing/2014/main" id="{5DD20B73-5BC2-4462-82D7-ADC45EE86EFA}"/>
+              </a:ext>
+            </a:extLst>
+          </p:cNvPr>
+          <p:cNvSpPr>
+            <a:spLocks noGrp="1"/>
+          </p:cNvSpPr>
+          <p:nvPr>
+            <p:ph type="title"/>
+          </p:nvPr>
+        </p:nvSpPr>
+        <p:spPr>
+          <a:xfrm>
+            <a:off x="1522413" y="381000"/>
+            <a:ext cx="9144001" cy="743744"/>
+          </a:xfrm>
+        </p:spPr>
+        <p:txBody>
+          <a:bodyPr/>
+          <a:lstStyle/>
+          <a:p>
+            <a:r>
+              <a:rPr lang="pl-PL" dirty="0"/>
+              <a:t>Przykłady rodzajów </a:t>
+            </a:r>
+            <a:r>
+              <a:rPr lang="pl-PL" dirty="0" err="1"/>
+              <a:t>Appenderów</a:t>
+            </a:r>
+            <a:endParaRPr lang="pl-PL" dirty="0"/>
+          </a:p>
+        </p:txBody>
+      </p:sp>
+      <p:sp>
+        <p:nvSpPr>
+          <p:cNvPr id="3" name="pole tekstowe 2">
+            <a:extLst>
+              <a:ext uri="{FF2B5EF4-FFF2-40B4-BE49-F238E27FC236}">
+                <a16:creationId xmlns:a16="http://schemas.microsoft.com/office/drawing/2014/main" id="{3F10088B-9750-463D-A948-F38DAA1B2504}"/>
+              </a:ext>
+            </a:extLst>
+          </p:cNvPr>
+          <p:cNvSpPr txBox="1"/>
+          <p:nvPr/>
+        </p:nvSpPr>
+        <p:spPr>
+          <a:xfrm>
+            <a:off x="1522413" y="1157412"/>
+            <a:ext cx="9361040" cy="5524589"/>
+          </a:xfrm>
+          <a:prstGeom prst="rect">
+            <a:avLst/>
+          </a:prstGeom>
+          <a:noFill/>
+        </p:spPr>
+        <p:txBody>
+          <a:bodyPr wrap="square" rtlCol="0">
+            <a:spAutoFit/>
+          </a:bodyPr>
+          <a:lstStyle/>
+          <a:p>
+            <a:pPr marL="285750" indent="-285750">
+              <a:spcBef>
+                <a:spcPts val="1800"/>
+              </a:spcBef>
+              <a:buFont typeface="Arial" panose="020B0604020202020204" pitchFamily="34" charset="0"/>
+              <a:buChar char="•"/>
+            </a:pPr>
+            <a:r>
+              <a:rPr lang="pl-PL" sz="2000" b="1" dirty="0"/>
+              <a:t>ConsoleAppender</a:t>
+            </a:r>
+            <a:r>
+              <a:rPr lang="pl-PL" sz="2000" dirty="0"/>
+              <a:t> – wypisuje logi do </a:t>
+            </a:r>
+            <a:r>
+              <a:rPr lang="pl-PL" sz="2000" dirty="0" err="1"/>
+              <a:t>System.out</a:t>
+            </a:r>
+            <a:r>
+              <a:rPr lang="pl-PL" sz="2000" dirty="0"/>
+              <a:t> lub </a:t>
+            </a:r>
+            <a:r>
+              <a:rPr lang="pl-PL" sz="2000" dirty="0" err="1"/>
+              <a:t>System.err</a:t>
+            </a:r>
+            <a:r>
+              <a:rPr lang="pl-PL" sz="2000" dirty="0"/>
+              <a:t> (standardowo jest to </a:t>
+            </a:r>
+            <a:r>
+              <a:rPr lang="pl-PL" sz="2000" dirty="0" err="1"/>
+              <a:t>System.out</a:t>
+            </a:r>
+            <a:r>
+              <a:rPr lang="pl-PL" sz="2000" dirty="0"/>
+              <a:t>)</a:t>
+            </a:r>
+          </a:p>
+          <a:p>
+            <a:pPr marL="285750" indent="-285750">
+              <a:spcBef>
+                <a:spcPts val="1800"/>
+              </a:spcBef>
+              <a:buFont typeface="Arial" panose="020B0604020202020204" pitchFamily="34" charset="0"/>
+              <a:buChar char="•"/>
+            </a:pPr>
+            <a:r>
+              <a:rPr lang="pl-PL" sz="2000" b="1" dirty="0" err="1"/>
+              <a:t>FileAppender</a:t>
+            </a:r>
+            <a:r>
+              <a:rPr lang="pl-PL" sz="2000" dirty="0"/>
+              <a:t> – wypisuje logi do pliku</a:t>
+            </a:r>
+          </a:p>
+          <a:p>
+            <a:pPr marL="285750" indent="-285750">
+              <a:spcBef>
+                <a:spcPts val="1800"/>
+              </a:spcBef>
+              <a:buFont typeface="Arial" panose="020B0604020202020204" pitchFamily="34" charset="0"/>
+              <a:buChar char="•"/>
+            </a:pPr>
+            <a:r>
+              <a:rPr lang="pl-PL" sz="2000" b="1" dirty="0" err="1"/>
+              <a:t>FlumeAppender</a:t>
+            </a:r>
+            <a:r>
+              <a:rPr lang="pl-PL" sz="2000" dirty="0"/>
+              <a:t> – używa do zapisywania logów systemu Apache </a:t>
+            </a:r>
+            <a:r>
+              <a:rPr lang="pl-PL" sz="2000" dirty="0" err="1"/>
+              <a:t>Flume</a:t>
+            </a:r>
+            <a:r>
+              <a:rPr lang="pl-PL" sz="2000" dirty="0"/>
+              <a:t>, który jest rozproszonym systemem do gromadzenia, agregowania i przenoszenia dużej ilości logów z </a:t>
+            </a:r>
+            <a:r>
+              <a:rPr lang="pl-PL" sz="2000" dirty="0" err="1"/>
+              <a:t>różnysch</a:t>
+            </a:r>
+            <a:r>
+              <a:rPr lang="pl-PL" sz="2000" dirty="0"/>
+              <a:t> źródeł do scentralizowanego magazynu danych</a:t>
+            </a:r>
+          </a:p>
+          <a:p>
+            <a:pPr marL="285750" indent="-285750">
+              <a:spcBef>
+                <a:spcPts val="1800"/>
+              </a:spcBef>
+              <a:buFont typeface="Arial" panose="020B0604020202020204" pitchFamily="34" charset="0"/>
+              <a:buChar char="•"/>
+            </a:pPr>
+            <a:r>
+              <a:rPr lang="pl-PL" sz="2000" b="1" dirty="0" err="1"/>
+              <a:t>JDBCAppender</a:t>
+            </a:r>
+            <a:r>
+              <a:rPr lang="pl-PL" sz="2000" dirty="0"/>
+              <a:t> – wypisuje logi do relacyjnej bazy danych używając standardu JDBC</a:t>
+            </a:r>
+          </a:p>
+          <a:p>
+            <a:pPr marL="285750" indent="-285750">
+              <a:spcBef>
+                <a:spcPts val="1800"/>
+              </a:spcBef>
+              <a:buFont typeface="Arial" panose="020B0604020202020204" pitchFamily="34" charset="0"/>
+              <a:buChar char="•"/>
+            </a:pPr>
+            <a:r>
+              <a:rPr lang="pl-PL" sz="2000" b="1" dirty="0" err="1"/>
+              <a:t>JPAAppender</a:t>
+            </a:r>
+            <a:r>
+              <a:rPr lang="pl-PL" sz="2000" dirty="0"/>
+              <a:t> – wypisuje logi do relacyjnej bazy danych </a:t>
+            </a:r>
+            <a:r>
+              <a:rPr lang="pl-PL" sz="2000" dirty="0" err="1"/>
+              <a:t>używającJava</a:t>
+            </a:r>
+            <a:r>
+              <a:rPr lang="pl-PL" sz="2000" dirty="0"/>
+              <a:t> </a:t>
+            </a:r>
+            <a:r>
+              <a:rPr lang="pl-PL" sz="2000" dirty="0" err="1"/>
+              <a:t>Persistence</a:t>
+            </a:r>
+            <a:r>
+              <a:rPr lang="pl-PL" sz="2000" dirty="0"/>
+              <a:t> API 2.1</a:t>
+            </a:r>
+          </a:p>
+          <a:p>
+            <a:pPr marL="285750" indent="-285750">
+              <a:spcBef>
+                <a:spcPts val="1800"/>
+              </a:spcBef>
+              <a:buFont typeface="Arial" panose="020B0604020202020204" pitchFamily="34" charset="0"/>
+              <a:buChar char="•"/>
+            </a:pPr>
+            <a:r>
+              <a:rPr lang="pl-PL" sz="2000" b="1" dirty="0" err="1"/>
+              <a:t>HttpAppender</a:t>
+            </a:r>
+            <a:r>
+              <a:rPr lang="pl-PL" sz="2000" dirty="0"/>
+              <a:t> – wysyła logi po HTTP</a:t>
+            </a:r>
+          </a:p>
+          <a:p>
+            <a:pPr marL="285750" indent="-285750">
+              <a:spcBef>
+                <a:spcPts val="1800"/>
+              </a:spcBef>
+              <a:buFont typeface="Arial" panose="020B0604020202020204" pitchFamily="34" charset="0"/>
+              <a:buChar char="•"/>
+            </a:pPr>
+            <a:r>
+              <a:rPr lang="pl-PL" sz="2000" b="1" dirty="0" err="1"/>
+              <a:t>NoSQLAppender</a:t>
+            </a:r>
+            <a:r>
+              <a:rPr lang="pl-PL" sz="2000" b="1" dirty="0"/>
+              <a:t> </a:t>
+            </a:r>
+            <a:r>
+              <a:rPr lang="pl-PL" sz="2000" dirty="0"/>
+              <a:t> - zapisuje logi do bazy danych </a:t>
+            </a:r>
+            <a:r>
+              <a:rPr lang="pl-PL" sz="2000" dirty="0" err="1"/>
+              <a:t>NoSQL</a:t>
+            </a:r>
+            <a:r>
+              <a:rPr lang="pl-PL" sz="2000" dirty="0"/>
+              <a:t> używając wbudowanego lekkiego interfejsu.</a:t>
+            </a:r>
+            <a:endParaRPr lang="pl-PL" sz="2000" b="1" dirty="0"/>
+          </a:p>
+          <a:p>
+            <a:pPr marL="285750" indent="-285750">
+              <a:spcBef>
+                <a:spcPts val="600"/>
+              </a:spcBef>
+              <a:buFont typeface="Arial" panose="020B0604020202020204" pitchFamily="34" charset="0"/>
+              <a:buChar char="•"/>
+            </a:pPr>
+            <a:endParaRPr lang="pl-PL" sz="2000" b="1" dirty="0"/>
+          </a:p>
+        </p:txBody>
+      </p:sp>
+    </p:spTree>
+    <p:extLst>
+      <p:ext uri="{BB962C8B-B14F-4D97-AF65-F5344CB8AC3E}">
+        <p14:creationId xmlns:p14="http://schemas.microsoft.com/office/powerpoint/2010/main" val="2158898338"/>
+      </p:ext>
+    </p:extLst>
+  </p:cSld>
+  <p:clrMapOvr>
+    <a:masterClrMapping/>
+  </p:clrMapOvr>
+  <mc:AlternateContent xmlns:mc="http://schemas.openxmlformats.org/markup-compatibility/2006" xmlns:p14="http://schemas.microsoft.com/office/powerpoint/2010/main">
+    <mc:Choice Requires="p14">
+      <p:transition spd="med" p14:dur="700">
+        <p:fade/>
+      </p:transition>
+    </mc:Choice>
+    <mc:Fallback xmlns="">
+      <p:transition spd="med">
+        <p:fade/>
+      </p:transition>
+    </mc:Fallback>
+  </mc:AlternateContent>
+</p:sld>
+</file>
+
+<file path=ppt/slides/slide13.xml><?xml version="1.0" encoding="utf-8"?>
+<p:sld xmlns:a="http://schemas.openxmlformats.org/drawingml/2006/main" xmlns:r="http://schemas.openxmlformats.org/officeDocument/2006/relationships" xmlns:p="http://schemas.openxmlformats.org/presentationml/2006/main">
+  <p:cSld>
+    <p:spTree>
+      <p:nvGrpSpPr>
+        <p:cNvPr id="1" name=""/>
+        <p:cNvGrpSpPr/>
+        <p:nvPr/>
+      </p:nvGrpSpPr>
+      <p:grpSpPr>
+        <a:xfrm>
+          <a:off x="0" y="0"/>
+          <a:ext cx="0" cy="0"/>
+          <a:chOff x="0" y="0"/>
+          <a:chExt cx="0" cy="0"/>
+        </a:xfrm>
+      </p:grpSpPr>
+      <p:sp>
+        <p:nvSpPr>
+          <p:cNvPr id="2" name="Tytuł 1">
+            <a:extLst>
+              <a:ext uri="{FF2B5EF4-FFF2-40B4-BE49-F238E27FC236}">
+                <a16:creationId xmlns:a16="http://schemas.microsoft.com/office/drawing/2014/main" id="{F7126910-84FB-4A02-A8BB-2B258459C93E}"/>
+              </a:ext>
+            </a:extLst>
+          </p:cNvPr>
+          <p:cNvSpPr>
+            <a:spLocks noGrp="1"/>
+          </p:cNvSpPr>
+          <p:nvPr>
+            <p:ph type="title"/>
+          </p:nvPr>
+        </p:nvSpPr>
+        <p:spPr/>
+        <p:txBody>
+          <a:bodyPr/>
+          <a:lstStyle/>
+          <a:p>
+            <a:r>
+              <a:rPr lang="pl-PL" dirty="0"/>
+              <a:t>Bibliografia</a:t>
+            </a:r>
+          </a:p>
+        </p:txBody>
+      </p:sp>
+      <p:sp>
+        <p:nvSpPr>
+          <p:cNvPr id="3" name="pole tekstowe 2">
+            <a:extLst>
+              <a:ext uri="{FF2B5EF4-FFF2-40B4-BE49-F238E27FC236}">
+                <a16:creationId xmlns:a16="http://schemas.microsoft.com/office/drawing/2014/main" id="{D59CE82D-60C5-4120-9FF6-D09259428CE2}"/>
+              </a:ext>
+            </a:extLst>
+          </p:cNvPr>
+          <p:cNvSpPr txBox="1"/>
+          <p:nvPr/>
+        </p:nvSpPr>
+        <p:spPr>
+          <a:xfrm>
+            <a:off x="1522412" y="1756172"/>
+            <a:ext cx="9468543" cy="1754326"/>
+          </a:xfrm>
+          <a:prstGeom prst="rect">
+            <a:avLst/>
+          </a:prstGeom>
+          <a:noFill/>
+        </p:spPr>
+        <p:txBody>
+          <a:bodyPr wrap="square" rtlCol="0">
+            <a:spAutoFit/>
+          </a:bodyPr>
+          <a:lstStyle/>
+          <a:p>
+            <a:pPr marL="285750" indent="-285750">
+              <a:spcBef>
+                <a:spcPts val="1800"/>
+              </a:spcBef>
+              <a:buFont typeface="Arial" panose="020B0604020202020204" pitchFamily="34" charset="0"/>
+              <a:buChar char="•"/>
+            </a:pPr>
+            <a:r>
+              <a:rPr lang="pl-PL" sz="2000" dirty="0">
+                <a:hlinkClick r:id="rId2"/>
+              </a:rPr>
+              <a:t>https://logging.apache.org/log4j/2.x/manual/</a:t>
+            </a:r>
+            <a:endParaRPr lang="pl-PL" sz="2000" dirty="0"/>
+          </a:p>
+          <a:p>
+            <a:pPr marL="285750" indent="-285750">
+              <a:spcBef>
+                <a:spcPts val="1800"/>
+              </a:spcBef>
+              <a:buFont typeface="Arial" panose="020B0604020202020204" pitchFamily="34" charset="0"/>
+              <a:buChar char="•"/>
+            </a:pPr>
+            <a:r>
+              <a:rPr lang="pl-PL" sz="2000" dirty="0">
+                <a:hlinkClick r:id="rId3"/>
+              </a:rPr>
+              <a:t>http://java.sys-con.com/node/48541</a:t>
+            </a:r>
+            <a:endParaRPr lang="pl-PL" sz="2000" dirty="0"/>
+          </a:p>
+          <a:p>
+            <a:pPr marL="285750" indent="-285750">
+              <a:spcBef>
+                <a:spcPts val="1800"/>
+              </a:spcBef>
+              <a:buFont typeface="Arial" panose="020B0604020202020204" pitchFamily="34" charset="0"/>
+              <a:buChar char="•"/>
+            </a:pPr>
+            <a:r>
+              <a:rPr lang="pl-PL" sz="2000" dirty="0">
+                <a:hlinkClick r:id="rId4"/>
+              </a:rPr>
+              <a:t>https://en.wikipedia.org/wiki/Log4j</a:t>
+            </a:r>
+            <a:endParaRPr lang="pl-PL" sz="2000" dirty="0"/>
+          </a:p>
+          <a:p>
+            <a:endParaRPr lang="pl-PL" dirty="0"/>
+          </a:p>
+        </p:txBody>
+      </p:sp>
+    </p:spTree>
+    <p:extLst>
+      <p:ext uri="{BB962C8B-B14F-4D97-AF65-F5344CB8AC3E}">
+        <p14:creationId xmlns:p14="http://schemas.microsoft.com/office/powerpoint/2010/main" val="3515451777"/>
+      </p:ext>
+    </p:extLst>
+  </p:cSld>
+  <p:clrMapOvr>
+    <a:masterClrMapping/>
+  </p:clrMapOvr>
+  <mc:AlternateContent xmlns:mc="http://schemas.openxmlformats.org/markup-compatibility/2006" xmlns:p14="http://schemas.microsoft.com/office/powerpoint/2010/main">
+    <mc:Choice Requires="p14">
+      <p:transition spd="med" p14:dur="700">
+        <p:fade/>
+      </p:transition>
+    </mc:Choice>
+    <mc:Fallback xmlns="">
+      <p:transition spd="med">
+        <p:fade/>
+      </p:transition>
+    </mc:Fallback>
+  </mc:AlternateContent>
+</p:sld>
+</file>
+
+<file path=ppt/slides/slide14.xml><?xml version="1.0" encoding="utf-8"?>
 <p:sld xmlns:a="http://schemas.openxmlformats.org/drawingml/2006/main" xmlns:r="http://schemas.openxmlformats.org/officeDocument/2006/relationships" xmlns:p="http://schemas.openxmlformats.org/presentationml/2006/main">
   <p:cSld>
     <p:spTree>
@@ -6085,6 +5841,2998 @@
     <p:extLst>
       <p:ext uri="{BB962C8B-B14F-4D97-AF65-F5344CB8AC3E}">
         <p14:creationId xmlns:p14="http://schemas.microsoft.com/office/powerpoint/2010/main" val="462238070"/>
+      </p:ext>
+    </p:extLst>
+  </p:cSld>
+  <p:clrMapOvr>
+    <a:masterClrMapping/>
+  </p:clrMapOvr>
+  <mc:AlternateContent xmlns:mc="http://schemas.openxmlformats.org/markup-compatibility/2006" xmlns:p14="http://schemas.microsoft.com/office/powerpoint/2010/main">
+    <mc:Choice Requires="p14">
+      <p:transition spd="med" p14:dur="700">
+        <p:fade/>
+      </p:transition>
+    </mc:Choice>
+    <mc:Fallback xmlns="">
+      <p:transition spd="med">
+        <p:fade/>
+      </p:transition>
+    </mc:Fallback>
+  </mc:AlternateContent>
+</p:sld>
+</file>
+
+<file path=ppt/slides/slide2.xml><?xml version="1.0" encoding="utf-8"?>
+<p:sld xmlns:a="http://schemas.openxmlformats.org/drawingml/2006/main" xmlns:r="http://schemas.openxmlformats.org/officeDocument/2006/relationships" xmlns:p="http://schemas.openxmlformats.org/presentationml/2006/main">
+  <p:cSld>
+    <p:spTree>
+      <p:nvGrpSpPr>
+        <p:cNvPr id="1" name=""/>
+        <p:cNvGrpSpPr/>
+        <p:nvPr/>
+      </p:nvGrpSpPr>
+      <p:grpSpPr>
+        <a:xfrm>
+          <a:off x="0" y="0"/>
+          <a:ext cx="0" cy="0"/>
+          <a:chOff x="0" y="0"/>
+          <a:chExt cx="0" cy="0"/>
+        </a:xfrm>
+      </p:grpSpPr>
+      <p:sp>
+        <p:nvSpPr>
+          <p:cNvPr id="2" name="Tytuł 1">
+            <a:extLst>
+              <a:ext uri="{FF2B5EF4-FFF2-40B4-BE49-F238E27FC236}">
+                <a16:creationId xmlns:a16="http://schemas.microsoft.com/office/drawing/2014/main" id="{73339DB1-FFCF-44F3-B11B-A37183D8497E}"/>
+              </a:ext>
+            </a:extLst>
+          </p:cNvPr>
+          <p:cNvSpPr>
+            <a:spLocks noGrp="1"/>
+          </p:cNvSpPr>
+          <p:nvPr>
+            <p:ph type="title"/>
+          </p:nvPr>
+        </p:nvSpPr>
+        <p:spPr/>
+        <p:txBody>
+          <a:bodyPr/>
+          <a:lstStyle/>
+          <a:p>
+            <a:r>
+              <a:rPr lang="pl-PL" dirty="0"/>
+              <a:t>Log</a:t>
+            </a:r>
+          </a:p>
+        </p:txBody>
+      </p:sp>
+      <p:sp>
+        <p:nvSpPr>
+          <p:cNvPr id="3" name="Symbol zastępczy zawartości 2">
+            <a:extLst>
+              <a:ext uri="{FF2B5EF4-FFF2-40B4-BE49-F238E27FC236}">
+                <a16:creationId xmlns:a16="http://schemas.microsoft.com/office/drawing/2014/main" id="{EB07E0BD-209F-40AE-9152-D2F9288DFA43}"/>
+              </a:ext>
+            </a:extLst>
+          </p:cNvPr>
+          <p:cNvSpPr>
+            <a:spLocks noGrp="1"/>
+          </p:cNvSpPr>
+          <p:nvPr>
+            <p:ph idx="1"/>
+          </p:nvPr>
+        </p:nvSpPr>
+        <p:spPr/>
+        <p:txBody>
+          <a:bodyPr/>
+          <a:lstStyle/>
+          <a:p>
+            <a:pPr marL="0" indent="0">
+              <a:buNone/>
+            </a:pPr>
+            <a:r>
+              <a:rPr lang="pl-PL" dirty="0"/>
+              <a:t>Log jest to chronologiczny zapis zawierający informację o zdarzeniach i działaniach dotyczących systemu informatycznego, systemu komputerowego czy komputera. Log tworzony jest automatycznie przez dany program komputerowy, a sama czynność zapisywania do logu nazywana jest też logowaniem.</a:t>
+            </a:r>
+          </a:p>
+          <a:p>
+            <a:pPr marL="0" indent="0">
+              <a:buNone/>
+            </a:pPr>
+            <a:r>
+              <a:rPr lang="pl-PL" dirty="0"/>
+              <a:t>Logi są używane do analizowania pracy systemu informatycznego, np. sporządzania statystyk, wykrywania prób włamań do systemu i sposobu ich przeprowadzenia oraz wykrywania wszelkich błędów i nieprawidłowości działającego oprogramowania.</a:t>
+            </a:r>
+          </a:p>
+        </p:txBody>
+      </p:sp>
+    </p:spTree>
+    <p:extLst>
+      <p:ext uri="{BB962C8B-B14F-4D97-AF65-F5344CB8AC3E}">
+        <p14:creationId xmlns:p14="http://schemas.microsoft.com/office/powerpoint/2010/main" val="4020735176"/>
+      </p:ext>
+    </p:extLst>
+  </p:cSld>
+  <p:clrMapOvr>
+    <a:masterClrMapping/>
+  </p:clrMapOvr>
+  <mc:AlternateContent xmlns:mc="http://schemas.openxmlformats.org/markup-compatibility/2006" xmlns:p14="http://schemas.microsoft.com/office/powerpoint/2010/main">
+    <mc:Choice Requires="p14">
+      <p:transition spd="med" p14:dur="700">
+        <p:fade/>
+      </p:transition>
+    </mc:Choice>
+    <mc:Fallback xmlns="">
+      <p:transition spd="med">
+        <p:fade/>
+      </p:transition>
+    </mc:Fallback>
+  </mc:AlternateContent>
+</p:sld>
+</file>
+
+<file path=ppt/slides/slide3.xml><?xml version="1.0" encoding="utf-8"?>
+<p:sld xmlns:a="http://schemas.openxmlformats.org/drawingml/2006/main" xmlns:r="http://schemas.openxmlformats.org/officeDocument/2006/relationships" xmlns:p="http://schemas.openxmlformats.org/presentationml/2006/main">
+  <p:cSld>
+    <p:spTree>
+      <p:nvGrpSpPr>
+        <p:cNvPr id="1" name=""/>
+        <p:cNvGrpSpPr/>
+        <p:nvPr/>
+      </p:nvGrpSpPr>
+      <p:grpSpPr>
+        <a:xfrm>
+          <a:off x="0" y="0"/>
+          <a:ext cx="0" cy="0"/>
+          <a:chOff x="0" y="0"/>
+          <a:chExt cx="0" cy="0"/>
+        </a:xfrm>
+      </p:grpSpPr>
+      <p:sp>
+        <p:nvSpPr>
+          <p:cNvPr id="14" name="Zawartość — symbol zastępczy 13"/>
+          <p:cNvSpPr>
+            <a:spLocks noGrp="1"/>
+          </p:cNvSpPr>
+          <p:nvPr>
+            <p:ph idx="1"/>
+          </p:nvPr>
+        </p:nvSpPr>
+        <p:spPr>
+          <a:xfrm>
+            <a:off x="1522413" y="3032225"/>
+            <a:ext cx="9134391" cy="3709143"/>
+          </a:xfrm>
+        </p:spPr>
+        <p:txBody>
+          <a:bodyPr rtlCol="0">
+            <a:normAutofit fontScale="92500" lnSpcReduction="10000"/>
+          </a:bodyPr>
+          <a:lstStyle/>
+          <a:p>
+            <a:pPr marL="0" indent="0">
+              <a:buNone/>
+            </a:pPr>
+            <a:r>
+              <a:rPr lang="pl-PL" dirty="0"/>
+              <a:t>Apache Log4J jest to biblioteka języka programowania Java służąca do tworzenia logów podczas działania aplikacji.</a:t>
+            </a:r>
+          </a:p>
+          <a:p>
+            <a:pPr marL="0" indent="0">
+              <a:buNone/>
+            </a:pPr>
+            <a:r>
+              <a:rPr lang="pl-PL" dirty="0"/>
+              <a:t>Dzięki możliwości konfiguracji za pomocą zewnętrznych plików zmiana zachowania mechanizmu logowania nie wymaga ponownej kompilacji. Istnieje możliwość rozszerzania istniejących funkcjonalności przez zaimplementowanie własnych poziomów logowania czy też obiektów miejsc przeznaczenia logów.</a:t>
+            </a:r>
+          </a:p>
+          <a:p>
+            <a:pPr marL="0" indent="0">
+              <a:buNone/>
+            </a:pPr>
+            <a:r>
+              <a:rPr lang="pl-PL" dirty="0"/>
+              <a:t>Obiekty różnych typów tworzą struktury drzewiaste. Relacje między elementami tej struktury są analogiczne jak w XML tzn. występują dzieci, rodzice, przodkowie i potomkowie. Różne właściwości danego obiektu mogą być propagowane na jego dzieci.</a:t>
+            </a:r>
+          </a:p>
+          <a:p>
+            <a:pPr marL="0" indent="0">
+              <a:buNone/>
+            </a:pPr>
+            <a:endParaRPr lang="pl-PL" dirty="0"/>
+          </a:p>
+          <a:p>
+            <a:pPr marL="0" indent="0">
+              <a:buNone/>
+            </a:pPr>
+            <a:endParaRPr lang="pl-PL" dirty="0"/>
+          </a:p>
+        </p:txBody>
+      </p:sp>
+      <p:pic>
+        <p:nvPicPr>
+          <p:cNvPr id="3" name="Obraz 2">
+            <a:extLst>
+              <a:ext uri="{FF2B5EF4-FFF2-40B4-BE49-F238E27FC236}">
+                <a16:creationId xmlns:a16="http://schemas.microsoft.com/office/drawing/2014/main" id="{F50087EF-5646-4417-AC17-CF3F61B7EEF7}"/>
+              </a:ext>
+            </a:extLst>
+          </p:cNvPr>
+          <p:cNvPicPr>
+            <a:picLocks noChangeAspect="1"/>
+          </p:cNvPicPr>
+          <p:nvPr/>
+        </p:nvPicPr>
+        <p:blipFill>
+          <a:blip r:embed="rId2">
+            <a:extLst>
+              <a:ext uri="{28A0092B-C50C-407E-A947-70E740481C1C}">
+                <a14:useLocalDpi xmlns:a14="http://schemas.microsoft.com/office/drawing/2010/main" val="0"/>
+              </a:ext>
+            </a:extLst>
+          </a:blip>
+          <a:stretch>
+            <a:fillRect/>
+          </a:stretch>
+        </p:blipFill>
+        <p:spPr>
+          <a:xfrm>
+            <a:off x="2061964" y="116632"/>
+            <a:ext cx="7589396" cy="2915593"/>
+          </a:xfrm>
+          <a:prstGeom prst="rect">
+            <a:avLst/>
+          </a:prstGeom>
+          <a:effectLst>
+            <a:outerShdw blurRad="50800" dist="50800" dir="5400000" algn="ctr" rotWithShape="0">
+              <a:schemeClr val="tx1">
+                <a:alpha val="13000"/>
+              </a:schemeClr>
+            </a:outerShdw>
+          </a:effectLst>
+        </p:spPr>
+      </p:pic>
+    </p:spTree>
+    <p:extLst>
+      <p:ext uri="{BB962C8B-B14F-4D97-AF65-F5344CB8AC3E}">
+        <p14:creationId xmlns:p14="http://schemas.microsoft.com/office/powerpoint/2010/main" val="2139132589"/>
+      </p:ext>
+    </p:extLst>
+  </p:cSld>
+  <p:clrMapOvr>
+    <a:masterClrMapping/>
+  </p:clrMapOvr>
+  <mc:AlternateContent xmlns:mc="http://schemas.openxmlformats.org/markup-compatibility/2006" xmlns:p14="http://schemas.microsoft.com/office/powerpoint/2010/main">
+    <mc:Choice Requires="p14">
+      <p:transition spd="med" p14:dur="700">
+        <p:fade/>
+      </p:transition>
+    </mc:Choice>
+    <mc:Fallback xmlns="">
+      <p:transition spd="med">
+        <p:fade/>
+      </p:transition>
+    </mc:Fallback>
+  </mc:AlternateContent>
+</p:sld>
+</file>
+
+<file path=ppt/slides/slide4.xml><?xml version="1.0" encoding="utf-8"?>
+<p:sld xmlns:a="http://schemas.openxmlformats.org/drawingml/2006/main" xmlns:r="http://schemas.openxmlformats.org/officeDocument/2006/relationships" xmlns:p="http://schemas.openxmlformats.org/presentationml/2006/main">
+  <p:cSld>
+    <p:spTree>
+      <p:nvGrpSpPr>
+        <p:cNvPr id="1" name=""/>
+        <p:cNvGrpSpPr/>
+        <p:nvPr/>
+      </p:nvGrpSpPr>
+      <p:grpSpPr>
+        <a:xfrm>
+          <a:off x="0" y="0"/>
+          <a:ext cx="0" cy="0"/>
+          <a:chOff x="0" y="0"/>
+          <a:chExt cx="0" cy="0"/>
+        </a:xfrm>
+      </p:grpSpPr>
+      <p:sp>
+        <p:nvSpPr>
+          <p:cNvPr id="4" name="Tytuł 3">
+            <a:extLst>
+              <a:ext uri="{FF2B5EF4-FFF2-40B4-BE49-F238E27FC236}">
+                <a16:creationId xmlns:a16="http://schemas.microsoft.com/office/drawing/2014/main" id="{EDA93308-B530-4F9F-824B-B3459F7AA0D5}"/>
+              </a:ext>
+            </a:extLst>
+          </p:cNvPr>
+          <p:cNvSpPr>
+            <a:spLocks noGrp="1"/>
+          </p:cNvSpPr>
+          <p:nvPr>
+            <p:ph type="title"/>
+          </p:nvPr>
+        </p:nvSpPr>
+        <p:spPr/>
+        <p:txBody>
+          <a:bodyPr/>
+          <a:lstStyle/>
+          <a:p>
+            <a:r>
+              <a:rPr lang="pl-PL" dirty="0"/>
+              <a:t>Apache Log4j 2</a:t>
+            </a:r>
+          </a:p>
+        </p:txBody>
+      </p:sp>
+      <p:sp>
+        <p:nvSpPr>
+          <p:cNvPr id="5" name="pole tekstowe 4">
+            <a:extLst>
+              <a:ext uri="{FF2B5EF4-FFF2-40B4-BE49-F238E27FC236}">
+                <a16:creationId xmlns:a16="http://schemas.microsoft.com/office/drawing/2014/main" id="{A06BAFF7-88D4-4B3B-BD04-678EA47A48EB}"/>
+              </a:ext>
+            </a:extLst>
+          </p:cNvPr>
+          <p:cNvSpPr txBox="1"/>
+          <p:nvPr/>
+        </p:nvSpPr>
+        <p:spPr>
+          <a:xfrm>
+            <a:off x="1522413" y="2276872"/>
+            <a:ext cx="9937104" cy="3139321"/>
+          </a:xfrm>
+          <a:prstGeom prst="rect">
+            <a:avLst/>
+          </a:prstGeom>
+          <a:noFill/>
+        </p:spPr>
+        <p:txBody>
+          <a:bodyPr wrap="square" rtlCol="0">
+            <a:spAutoFit/>
+          </a:bodyPr>
+          <a:lstStyle/>
+          <a:p>
+            <a:r>
+              <a:rPr lang="pl-PL" dirty="0"/>
+              <a:t>W czerwcu 2014 został wydany następca Log4J 1, Apache Log4j 2. Biblioteka została napisana od początku, główne różnice między wersją Log4J 1 są następujące:</a:t>
+            </a:r>
+          </a:p>
+          <a:p>
+            <a:pPr marL="285750" indent="-285750">
+              <a:buFont typeface="Arial" panose="020B0604020202020204" pitchFamily="34" charset="0"/>
+              <a:buChar char="•"/>
+            </a:pPr>
+            <a:r>
+              <a:rPr lang="pl-PL" b="1" dirty="0"/>
+              <a:t>Poprawiona niezawodność </a:t>
+            </a:r>
+            <a:r>
+              <a:rPr lang="pl-PL" dirty="0"/>
+              <a:t>- Wiadomości nie są tracone podczas rekonfiguracji struktury jak w Log4J 1 lub </a:t>
+            </a:r>
+            <a:r>
+              <a:rPr lang="pl-PL" dirty="0" err="1"/>
+              <a:t>Logack</a:t>
+            </a:r>
+            <a:r>
+              <a:rPr lang="pl-PL" dirty="0"/>
+              <a:t>.</a:t>
+            </a:r>
+          </a:p>
+          <a:p>
+            <a:pPr marL="285750" indent="-285750">
+              <a:buFont typeface="Arial" panose="020B0604020202020204" pitchFamily="34" charset="0"/>
+              <a:buChar char="•"/>
+            </a:pPr>
+            <a:r>
+              <a:rPr lang="pl-PL" b="1" dirty="0"/>
+              <a:t>Rozszerzalność</a:t>
+            </a:r>
+            <a:r>
+              <a:rPr lang="pl-PL" dirty="0"/>
+              <a:t> - Log4J 2 obsługuje system wtyczek, aby umożliwić użytkownikom definiowanie i konfigurowanie niestandardowych komponentów</a:t>
+            </a:r>
+          </a:p>
+          <a:p>
+            <a:pPr marL="285750" indent="-285750">
+              <a:buFont typeface="Arial" panose="020B0604020202020204" pitchFamily="34" charset="0"/>
+              <a:buChar char="•"/>
+            </a:pPr>
+            <a:r>
+              <a:rPr lang="pl-PL" b="1" dirty="0"/>
+              <a:t>Uproszczona składnia konfiguracji</a:t>
+            </a:r>
+          </a:p>
+          <a:p>
+            <a:pPr marL="285750" indent="-285750">
+              <a:buFont typeface="Arial" panose="020B0604020202020204" pitchFamily="34" charset="0"/>
+              <a:buChar char="•"/>
+            </a:pPr>
+            <a:r>
+              <a:rPr lang="pl-PL" b="1" dirty="0"/>
+              <a:t>Obsługa XML, JSON, YAML</a:t>
+            </a:r>
+          </a:p>
+          <a:p>
+            <a:pPr marL="285750" indent="-285750">
+              <a:buFont typeface="Arial" panose="020B0604020202020204" pitchFamily="34" charset="0"/>
+              <a:buChar char="•"/>
+            </a:pPr>
+            <a:r>
+              <a:rPr lang="pl-PL" b="1" dirty="0"/>
+              <a:t>Obsługa wielu API - </a:t>
+            </a:r>
+            <a:r>
+              <a:rPr lang="pl-PL" dirty="0"/>
+              <a:t>Log4J 2 może być używany z aplikacjami korzystających z Log4J 2, Log4j 1.2, SLF4J, </a:t>
+            </a:r>
+            <a:r>
+              <a:rPr lang="pl-PL" dirty="0" err="1"/>
+              <a:t>Commons</a:t>
+            </a:r>
+            <a:r>
+              <a:rPr lang="pl-PL" dirty="0"/>
+              <a:t> </a:t>
+            </a:r>
+            <a:r>
+              <a:rPr lang="pl-PL" dirty="0" err="1"/>
+              <a:t>Logging</a:t>
+            </a:r>
+            <a:r>
+              <a:rPr lang="pl-PL" dirty="0"/>
+              <a:t> i </a:t>
+            </a:r>
+            <a:r>
+              <a:rPr lang="pl-PL" dirty="0" err="1"/>
+              <a:t>java.util.logging</a:t>
+            </a:r>
+            <a:r>
+              <a:rPr lang="pl-PL" dirty="0"/>
+              <a:t> (JUL)</a:t>
+            </a:r>
+          </a:p>
+          <a:p>
+            <a:pPr marL="285750" indent="-285750">
+              <a:buFont typeface="Arial" panose="020B0604020202020204" pitchFamily="34" charset="0"/>
+              <a:buChar char="•"/>
+            </a:pPr>
+            <a:r>
+              <a:rPr lang="pl-PL" b="1" dirty="0"/>
+              <a:t>Poprawa szybkość</a:t>
+            </a:r>
+          </a:p>
+        </p:txBody>
+      </p:sp>
+    </p:spTree>
+    <p:extLst>
+      <p:ext uri="{BB962C8B-B14F-4D97-AF65-F5344CB8AC3E}">
+        <p14:creationId xmlns:p14="http://schemas.microsoft.com/office/powerpoint/2010/main" val="3106206852"/>
+      </p:ext>
+    </p:extLst>
+  </p:cSld>
+  <p:clrMapOvr>
+    <a:masterClrMapping/>
+  </p:clrMapOvr>
+  <mc:AlternateContent xmlns:mc="http://schemas.openxmlformats.org/markup-compatibility/2006" xmlns:p14="http://schemas.microsoft.com/office/powerpoint/2010/main">
+    <mc:Choice Requires="p14">
+      <p:transition spd="med" p14:dur="700">
+        <p:fade/>
+      </p:transition>
+    </mc:Choice>
+    <mc:Fallback xmlns="">
+      <p:transition spd="med">
+        <p:fade/>
+      </p:transition>
+    </mc:Fallback>
+  </mc:AlternateContent>
+</p:sld>
+</file>
+
+<file path=ppt/slides/slide5.xml><?xml version="1.0" encoding="utf-8"?>
+<p:sld xmlns:a="http://schemas.openxmlformats.org/drawingml/2006/main" xmlns:r="http://schemas.openxmlformats.org/officeDocument/2006/relationships" xmlns:p="http://schemas.openxmlformats.org/presentationml/2006/main">
+  <p:cSld>
+    <p:spTree>
+      <p:nvGrpSpPr>
+        <p:cNvPr id="1" name=""/>
+        <p:cNvGrpSpPr/>
+        <p:nvPr/>
+      </p:nvGrpSpPr>
+      <p:grpSpPr>
+        <a:xfrm>
+          <a:off x="0" y="0"/>
+          <a:ext cx="0" cy="0"/>
+          <a:chOff x="0" y="0"/>
+          <a:chExt cx="0" cy="0"/>
+        </a:xfrm>
+      </p:grpSpPr>
+      <p:sp>
+        <p:nvSpPr>
+          <p:cNvPr id="2" name="Tytuł 1">
+            <a:extLst>
+              <a:ext uri="{FF2B5EF4-FFF2-40B4-BE49-F238E27FC236}">
+                <a16:creationId xmlns:a16="http://schemas.microsoft.com/office/drawing/2014/main" id="{E9663FB1-69A2-499E-B4B9-B48F833EFFA6}"/>
+              </a:ext>
+            </a:extLst>
+          </p:cNvPr>
+          <p:cNvSpPr>
+            <a:spLocks noGrp="1"/>
+          </p:cNvSpPr>
+          <p:nvPr>
+            <p:ph type="title"/>
+          </p:nvPr>
+        </p:nvSpPr>
+        <p:spPr/>
+        <p:txBody>
+          <a:bodyPr/>
+          <a:lstStyle/>
+          <a:p>
+            <a:r>
+              <a:rPr lang="pl-PL" dirty="0"/>
+              <a:t>Log4J vs Java </a:t>
+            </a:r>
+            <a:r>
+              <a:rPr lang="pl-PL" dirty="0" err="1"/>
+              <a:t>Logging</a:t>
+            </a:r>
+            <a:r>
+              <a:rPr lang="pl-PL" dirty="0"/>
+              <a:t> API (</a:t>
+            </a:r>
+            <a:r>
+              <a:rPr lang="pl-PL" dirty="0" err="1"/>
+              <a:t>java.util.loggin</a:t>
+            </a:r>
+            <a:r>
+              <a:rPr lang="pl-PL" dirty="0"/>
+              <a:t>)</a:t>
+            </a:r>
+          </a:p>
+        </p:txBody>
+      </p:sp>
+      <p:sp>
+        <p:nvSpPr>
+          <p:cNvPr id="3" name="Symbol zastępczy zawartości 2">
+            <a:extLst>
+              <a:ext uri="{FF2B5EF4-FFF2-40B4-BE49-F238E27FC236}">
+                <a16:creationId xmlns:a16="http://schemas.microsoft.com/office/drawing/2014/main" id="{0FCA198D-DFBC-4B68-B992-9424D6C4C555}"/>
+              </a:ext>
+            </a:extLst>
+          </p:cNvPr>
+          <p:cNvSpPr>
+            <a:spLocks noGrp="1"/>
+          </p:cNvSpPr>
+          <p:nvPr>
+            <p:ph idx="1"/>
+          </p:nvPr>
+        </p:nvSpPr>
+        <p:spPr/>
+        <p:txBody>
+          <a:bodyPr/>
+          <a:lstStyle/>
+          <a:p>
+            <a:pPr marL="0" indent="0">
+              <a:buNone/>
+            </a:pPr>
+            <a:r>
+              <a:rPr lang="pl-PL" dirty="0"/>
+              <a:t>Chociaż Log4j i JUL są niemal identyczne pod względem koncepcyjnym, różnią się pod względem funkcjonalności. Ich różnicę można podsumować w następujący sposób: „Cokolwiek JUL może zrobić, Log4j może to zrobić - i więcej”.</a:t>
+            </a:r>
+          </a:p>
+          <a:p>
+            <a:pPr marL="0" indent="0">
+              <a:buNone/>
+            </a:pPr>
+            <a:r>
+              <a:rPr lang="pl-PL" dirty="0"/>
+              <a:t>JUL zawiera cztery implementacje </a:t>
+            </a:r>
+            <a:r>
+              <a:rPr lang="pl-PL" dirty="0" err="1"/>
+              <a:t>appenderów</a:t>
+            </a:r>
+            <a:r>
+              <a:rPr lang="pl-PL" dirty="0"/>
+              <a:t> (</a:t>
+            </a:r>
+            <a:r>
+              <a:rPr lang="pl-PL" dirty="0" err="1"/>
+              <a:t>buffer</a:t>
+            </a:r>
+            <a:r>
+              <a:rPr lang="pl-PL" dirty="0"/>
+              <a:t>, konsola, </a:t>
+            </a:r>
+            <a:r>
+              <a:rPr lang="pl-PL" dirty="0" err="1"/>
+              <a:t>socket</a:t>
+            </a:r>
+            <a:r>
+              <a:rPr lang="pl-PL" dirty="0"/>
+              <a:t> i plik), a Log4J zawiera ich kilkanaście (m.in. log Unix, dziennik zdarzeń NT, a nawet email). </a:t>
+            </a:r>
+          </a:p>
+          <a:p>
+            <a:pPr marL="0" indent="0">
+              <a:buNone/>
+            </a:pPr>
+            <a:r>
+              <a:rPr lang="pl-PL" dirty="0"/>
+              <a:t>Zarówno JUL jak i Log4j można skonfigurować za pomocą plików konfiguracyjnych, jednak Log4j pozwala na szerszy zakres typów tych plików.</a:t>
+            </a:r>
+          </a:p>
+        </p:txBody>
+      </p:sp>
+    </p:spTree>
+    <p:extLst>
+      <p:ext uri="{BB962C8B-B14F-4D97-AF65-F5344CB8AC3E}">
+        <p14:creationId xmlns:p14="http://schemas.microsoft.com/office/powerpoint/2010/main" val="2918817452"/>
+      </p:ext>
+    </p:extLst>
+  </p:cSld>
+  <p:clrMapOvr>
+    <a:masterClrMapping/>
+  </p:clrMapOvr>
+  <mc:AlternateContent xmlns:mc="http://schemas.openxmlformats.org/markup-compatibility/2006" xmlns:p14="http://schemas.microsoft.com/office/powerpoint/2010/main">
+    <mc:Choice Requires="p14">
+      <p:transition spd="med" p14:dur="700">
+        <p:fade/>
+      </p:transition>
+    </mc:Choice>
+    <mc:Fallback xmlns="">
+      <p:transition spd="med">
+        <p:fade/>
+      </p:transition>
+    </mc:Fallback>
+  </mc:AlternateContent>
+</p:sld>
+</file>
+
+<file path=ppt/slides/slide6.xml><?xml version="1.0" encoding="utf-8"?>
+<p:sld xmlns:a="http://schemas.openxmlformats.org/drawingml/2006/main" xmlns:r="http://schemas.openxmlformats.org/officeDocument/2006/relationships" xmlns:p="http://schemas.openxmlformats.org/presentationml/2006/main">
+  <p:cSld>
+    <p:spTree>
+      <p:nvGrpSpPr>
+        <p:cNvPr id="1" name=""/>
+        <p:cNvGrpSpPr/>
+        <p:nvPr/>
+      </p:nvGrpSpPr>
+      <p:grpSpPr>
+        <a:xfrm>
+          <a:off x="0" y="0"/>
+          <a:ext cx="0" cy="0"/>
+          <a:chOff x="0" y="0"/>
+          <a:chExt cx="0" cy="0"/>
+        </a:xfrm>
+      </p:grpSpPr>
+      <p:sp>
+        <p:nvSpPr>
+          <p:cNvPr id="2" name="Tytuł 1"/>
+          <p:cNvSpPr>
+            <a:spLocks noGrp="1"/>
+          </p:cNvSpPr>
+          <p:nvPr>
+            <p:ph type="title"/>
+          </p:nvPr>
+        </p:nvSpPr>
+        <p:spPr/>
+        <p:txBody>
+          <a:bodyPr rtlCol="0"/>
+          <a:lstStyle/>
+          <a:p>
+            <a:pPr rtl="0"/>
+            <a:r>
+              <a:rPr lang="pl-PL" dirty="0"/>
+              <a:t>Poziomy logów Log4J</a:t>
+            </a:r>
+          </a:p>
+        </p:txBody>
+      </p:sp>
+      <p:graphicFrame>
+        <p:nvGraphicFramePr>
+          <p:cNvPr id="8" name="Symbol zastępczy zawartości 7">
+            <a:extLst>
+              <a:ext uri="{FF2B5EF4-FFF2-40B4-BE49-F238E27FC236}">
+                <a16:creationId xmlns:a16="http://schemas.microsoft.com/office/drawing/2014/main" id="{6D10EA2C-A497-4346-A3DC-E02E2EDC3E68}"/>
+              </a:ext>
+            </a:extLst>
+          </p:cNvPr>
+          <p:cNvGraphicFramePr>
+            <a:graphicFrameLocks noGrp="1"/>
+          </p:cNvGraphicFramePr>
+          <p:nvPr>
+            <p:ph sz="half" idx="1"/>
+            <p:extLst>
+              <p:ext uri="{D42A27DB-BD31-4B8C-83A1-F6EECF244321}">
+                <p14:modId xmlns:p14="http://schemas.microsoft.com/office/powerpoint/2010/main" val="3068382242"/>
+              </p:ext>
+            </p:extLst>
+          </p:nvPr>
+        </p:nvGraphicFramePr>
+        <p:xfrm>
+          <a:off x="1504950" y="1905000"/>
+          <a:ext cx="10134078" cy="3235960"/>
+        </p:xfrm>
+        <a:graphic>
+          <a:graphicData uri="http://schemas.openxmlformats.org/drawingml/2006/table">
+            <a:tbl>
+              <a:tblPr firstRow="1" bandRow="1">
+                <a:tableStyleId>{073A0DAA-6AF3-43AB-8588-CEC1D06C72B9}</a:tableStyleId>
+              </a:tblPr>
+              <a:tblGrid>
+                <a:gridCol w="2433018">
+                  <a:extLst>
+                    <a:ext uri="{9D8B030D-6E8A-4147-A177-3AD203B41FA5}">
+                      <a16:colId xmlns:a16="http://schemas.microsoft.com/office/drawing/2014/main" val="2652375230"/>
+                    </a:ext>
+                  </a:extLst>
+                </a:gridCol>
+                <a:gridCol w="7701060">
+                  <a:extLst>
+                    <a:ext uri="{9D8B030D-6E8A-4147-A177-3AD203B41FA5}">
+                      <a16:colId xmlns:a16="http://schemas.microsoft.com/office/drawing/2014/main" val="333962979"/>
+                    </a:ext>
+                  </a:extLst>
+                </a:gridCol>
+              </a:tblGrid>
+              <a:tr h="370840">
+                <a:tc>
+                  <a:txBody>
+                    <a:bodyPr/>
+                    <a:lstStyle/>
+                    <a:p>
+                      <a:r>
+                        <a:rPr lang="pl-PL" dirty="0"/>
+                        <a:t>Poziom</a:t>
+                      </a:r>
+                    </a:p>
+                  </a:txBody>
+                  <a:tcPr/>
+                </a:tc>
+                <a:tc>
+                  <a:txBody>
+                    <a:bodyPr/>
+                    <a:lstStyle/>
+                    <a:p>
+                      <a:r>
+                        <a:rPr lang="pl-PL" dirty="0"/>
+                        <a:t>Opis</a:t>
+                      </a:r>
+                    </a:p>
+                  </a:txBody>
+                  <a:tcPr/>
+                </a:tc>
+                <a:extLst>
+                  <a:ext uri="{0D108BD9-81ED-4DB2-BD59-A6C34878D82A}">
+                    <a16:rowId xmlns:a16="http://schemas.microsoft.com/office/drawing/2014/main" val="2960131182"/>
+                  </a:ext>
+                </a:extLst>
+              </a:tr>
+              <a:tr h="370840">
+                <a:tc>
+                  <a:txBody>
+                    <a:bodyPr/>
+                    <a:lstStyle/>
+                    <a:p>
+                      <a:r>
+                        <a:rPr lang="pl-PL" dirty="0"/>
+                        <a:t>OFF</a:t>
+                      </a:r>
+                    </a:p>
+                  </a:txBody>
+                  <a:tcPr/>
+                </a:tc>
+                <a:tc>
+                  <a:txBody>
+                    <a:bodyPr/>
+                    <a:lstStyle/>
+                    <a:p>
+                      <a:r>
+                        <a:rPr lang="pl-PL" dirty="0"/>
+                        <a:t>Wyłączenie logowania</a:t>
+                      </a:r>
+                    </a:p>
+                  </a:txBody>
+                  <a:tcPr/>
+                </a:tc>
+                <a:extLst>
+                  <a:ext uri="{0D108BD9-81ED-4DB2-BD59-A6C34878D82A}">
+                    <a16:rowId xmlns:a16="http://schemas.microsoft.com/office/drawing/2014/main" val="219512693"/>
+                  </a:ext>
+                </a:extLst>
+              </a:tr>
+              <a:tr h="370840">
+                <a:tc>
+                  <a:txBody>
+                    <a:bodyPr/>
+                    <a:lstStyle/>
+                    <a:p>
+                      <a:r>
+                        <a:rPr lang="pl-PL" dirty="0"/>
+                        <a:t>FATAL</a:t>
+                      </a:r>
+                    </a:p>
+                  </a:txBody>
+                  <a:tcPr/>
+                </a:tc>
+                <a:tc>
+                  <a:txBody>
+                    <a:bodyPr/>
+                    <a:lstStyle/>
+                    <a:p>
+                      <a:r>
+                        <a:rPr lang="pl-PL" dirty="0"/>
+                        <a:t>Poważne błędy, które  powodują przedwczesne wyłączenie programu</a:t>
+                      </a:r>
+                    </a:p>
+                  </a:txBody>
+                  <a:tcPr/>
+                </a:tc>
+                <a:extLst>
+                  <a:ext uri="{0D108BD9-81ED-4DB2-BD59-A6C34878D82A}">
+                    <a16:rowId xmlns:a16="http://schemas.microsoft.com/office/drawing/2014/main" val="1070026249"/>
+                  </a:ext>
+                </a:extLst>
+              </a:tr>
+              <a:tr h="370840">
+                <a:tc>
+                  <a:txBody>
+                    <a:bodyPr/>
+                    <a:lstStyle/>
+                    <a:p>
+                      <a:r>
+                        <a:rPr lang="pl-PL" dirty="0"/>
+                        <a:t>ERROR</a:t>
+                      </a:r>
+                    </a:p>
+                  </a:txBody>
+                  <a:tcPr/>
+                </a:tc>
+                <a:tc>
+                  <a:txBody>
+                    <a:bodyPr/>
+                    <a:lstStyle/>
+                    <a:p>
+                      <a:r>
+                        <a:rPr lang="pl-PL" dirty="0"/>
+                        <a:t>Inne błędy w czasie wykonywania lub nieoczekiwane warunki</a:t>
+                      </a:r>
+                    </a:p>
+                  </a:txBody>
+                  <a:tcPr/>
+                </a:tc>
+                <a:extLst>
+                  <a:ext uri="{0D108BD9-81ED-4DB2-BD59-A6C34878D82A}">
+                    <a16:rowId xmlns:a16="http://schemas.microsoft.com/office/drawing/2014/main" val="3736262608"/>
+                  </a:ext>
+                </a:extLst>
+              </a:tr>
+              <a:tr h="370840">
+                <a:tc>
+                  <a:txBody>
+                    <a:bodyPr/>
+                    <a:lstStyle/>
+                    <a:p>
+                      <a:r>
+                        <a:rPr lang="pl-PL" dirty="0"/>
+                        <a:t>WARN</a:t>
+                      </a:r>
+                    </a:p>
+                  </a:txBody>
+                  <a:tcPr/>
+                </a:tc>
+                <a:tc>
+                  <a:txBody>
+                    <a:bodyPr/>
+                    <a:lstStyle/>
+                    <a:p>
+                      <a:r>
+                        <a:rPr lang="pl-PL" dirty="0"/>
+                        <a:t>Używanie przestarzałych API, niepoprawne wykorzystanie API, inne sytuacje niepożądane lub nieoczekiwane, ale niekoniecznie „złe”</a:t>
+                      </a:r>
+                    </a:p>
+                  </a:txBody>
+                  <a:tcPr/>
+                </a:tc>
+                <a:extLst>
+                  <a:ext uri="{0D108BD9-81ED-4DB2-BD59-A6C34878D82A}">
+                    <a16:rowId xmlns:a16="http://schemas.microsoft.com/office/drawing/2014/main" val="385563955"/>
+                  </a:ext>
+                </a:extLst>
+              </a:tr>
+              <a:tr h="370840">
+                <a:tc>
+                  <a:txBody>
+                    <a:bodyPr/>
+                    <a:lstStyle/>
+                    <a:p>
+                      <a:r>
+                        <a:rPr lang="pl-PL" dirty="0"/>
+                        <a:t>INFO</a:t>
+                      </a:r>
+                    </a:p>
+                  </a:txBody>
+                  <a:tcPr/>
+                </a:tc>
+                <a:tc>
+                  <a:txBody>
+                    <a:bodyPr/>
+                    <a:lstStyle/>
+                    <a:p>
+                      <a:r>
+                        <a:rPr lang="pl-PL" dirty="0"/>
+                        <a:t>Interesujące zdarzenia w czasie wykonywania (np. uruchamianie, zamykanie)</a:t>
+                      </a:r>
+                    </a:p>
+                  </a:txBody>
+                  <a:tcPr/>
+                </a:tc>
+                <a:extLst>
+                  <a:ext uri="{0D108BD9-81ED-4DB2-BD59-A6C34878D82A}">
+                    <a16:rowId xmlns:a16="http://schemas.microsoft.com/office/drawing/2014/main" val="2301537879"/>
+                  </a:ext>
+                </a:extLst>
+              </a:tr>
+              <a:tr h="370840">
+                <a:tc>
+                  <a:txBody>
+                    <a:bodyPr/>
+                    <a:lstStyle/>
+                    <a:p>
+                      <a:r>
+                        <a:rPr lang="pl-PL" dirty="0"/>
+                        <a:t>DEBUG</a:t>
+                      </a:r>
+                    </a:p>
+                  </a:txBody>
+                  <a:tcPr/>
+                </a:tc>
+                <a:tc>
+                  <a:txBody>
+                    <a:bodyPr/>
+                    <a:lstStyle/>
+                    <a:p>
+                      <a:r>
+                        <a:rPr lang="pl-PL" dirty="0"/>
+                        <a:t>Szczegółowe informacje na temat uruchomionego programu</a:t>
+                      </a:r>
+                    </a:p>
+                  </a:txBody>
+                  <a:tcPr/>
+                </a:tc>
+                <a:extLst>
+                  <a:ext uri="{0D108BD9-81ED-4DB2-BD59-A6C34878D82A}">
+                    <a16:rowId xmlns:a16="http://schemas.microsoft.com/office/drawing/2014/main" val="3420037750"/>
+                  </a:ext>
+                </a:extLst>
+              </a:tr>
+              <a:tr h="370840">
+                <a:tc>
+                  <a:txBody>
+                    <a:bodyPr/>
+                    <a:lstStyle/>
+                    <a:p>
+                      <a:r>
+                        <a:rPr lang="pl-PL" dirty="0"/>
+                        <a:t>TRACE</a:t>
+                      </a:r>
+                    </a:p>
+                  </a:txBody>
+                  <a:tcPr/>
+                </a:tc>
+                <a:tc>
+                  <a:txBody>
+                    <a:bodyPr/>
+                    <a:lstStyle/>
+                    <a:p>
+                      <a:r>
+                        <a:rPr lang="pl-PL" dirty="0"/>
+                        <a:t>Najbardziej szczegółowe informacje</a:t>
+                      </a:r>
+                    </a:p>
+                  </a:txBody>
+                  <a:tcPr/>
+                </a:tc>
+                <a:extLst>
+                  <a:ext uri="{0D108BD9-81ED-4DB2-BD59-A6C34878D82A}">
+                    <a16:rowId xmlns:a16="http://schemas.microsoft.com/office/drawing/2014/main" val="4264708005"/>
+                  </a:ext>
+                </a:extLst>
+              </a:tr>
+            </a:tbl>
+          </a:graphicData>
+        </a:graphic>
+      </p:graphicFrame>
+    </p:spTree>
+    <p:extLst>
+      <p:ext uri="{BB962C8B-B14F-4D97-AF65-F5344CB8AC3E}">
+        <p14:creationId xmlns:p14="http://schemas.microsoft.com/office/powerpoint/2010/main" val="4206988261"/>
+      </p:ext>
+    </p:extLst>
+  </p:cSld>
+  <p:clrMapOvr>
+    <a:masterClrMapping/>
+  </p:clrMapOvr>
+  <mc:AlternateContent xmlns:mc="http://schemas.openxmlformats.org/markup-compatibility/2006" xmlns:p14="http://schemas.microsoft.com/office/powerpoint/2010/main">
+    <mc:Choice Requires="p14">
+      <p:transition spd="med" p14:dur="700">
+        <p:fade/>
+      </p:transition>
+    </mc:Choice>
+    <mc:Fallback xmlns="">
+      <p:transition spd="med">
+        <p:fade/>
+      </p:transition>
+    </mc:Fallback>
+  </mc:AlternateContent>
+</p:sld>
+</file>
+
+<file path=ppt/slides/slide7.xml><?xml version="1.0" encoding="utf-8"?>
+<p:sld xmlns:a="http://schemas.openxmlformats.org/drawingml/2006/main" xmlns:r="http://schemas.openxmlformats.org/officeDocument/2006/relationships" xmlns:p="http://schemas.openxmlformats.org/presentationml/2006/main">
+  <p:cSld>
+    <p:spTree>
+      <p:nvGrpSpPr>
+        <p:cNvPr id="1" name=""/>
+        <p:cNvGrpSpPr/>
+        <p:nvPr/>
+      </p:nvGrpSpPr>
+      <p:grpSpPr>
+        <a:xfrm>
+          <a:off x="0" y="0"/>
+          <a:ext cx="0" cy="0"/>
+          <a:chOff x="0" y="0"/>
+          <a:chExt cx="0" cy="0"/>
+        </a:xfrm>
+      </p:grpSpPr>
+      <p:sp>
+        <p:nvSpPr>
+          <p:cNvPr id="2" name="Tytuł 1"/>
+          <p:cNvSpPr>
+            <a:spLocks noGrp="1"/>
+          </p:cNvSpPr>
+          <p:nvPr>
+            <p:ph type="title"/>
+          </p:nvPr>
+        </p:nvSpPr>
+        <p:spPr/>
+        <p:txBody>
+          <a:bodyPr rtlCol="0"/>
+          <a:lstStyle/>
+          <a:p>
+            <a:pPr rtl="0"/>
+            <a:r>
+              <a:rPr lang="pl-PL" dirty="0"/>
+              <a:t>Konfiguracja</a:t>
+            </a:r>
+          </a:p>
+        </p:txBody>
+      </p:sp>
+      <p:sp>
+        <p:nvSpPr>
+          <p:cNvPr id="9" name="pole tekstowe 8">
+            <a:extLst>
+              <a:ext uri="{FF2B5EF4-FFF2-40B4-BE49-F238E27FC236}">
+                <a16:creationId xmlns:a16="http://schemas.microsoft.com/office/drawing/2014/main" id="{C98138AD-2794-4EA6-B796-4F9C03221DB4}"/>
+              </a:ext>
+            </a:extLst>
+          </p:cNvPr>
+          <p:cNvSpPr txBox="1"/>
+          <p:nvPr/>
+        </p:nvSpPr>
+        <p:spPr>
+          <a:xfrm>
+            <a:off x="1522413" y="1988840"/>
+            <a:ext cx="9505056" cy="2585323"/>
+          </a:xfrm>
+          <a:prstGeom prst="rect">
+            <a:avLst/>
+          </a:prstGeom>
+          <a:noFill/>
+        </p:spPr>
+        <p:txBody>
+          <a:bodyPr wrap="square" rtlCol="0">
+            <a:spAutoFit/>
+          </a:bodyPr>
+          <a:lstStyle/>
+          <a:p>
+            <a:r>
+              <a:rPr lang="pl-PL" dirty="0"/>
+              <a:t>Log4J może być skonfigurowany przez plik konfiguracyjny lub przez kod Java. Pliki konfiguracyjne mogą być w formacie XML, JSON, YAML albo .</a:t>
+            </a:r>
+            <a:r>
+              <a:rPr lang="pl-PL" dirty="0" err="1"/>
+              <a:t>properies</a:t>
+            </a:r>
+            <a:r>
+              <a:rPr lang="pl-PL" dirty="0"/>
+              <a:t>. W konfiguracji możemy zdefiniować trzy główne komponenty: </a:t>
+            </a:r>
+            <a:r>
+              <a:rPr lang="pl-PL" dirty="0" err="1"/>
+              <a:t>Logger</a:t>
+            </a:r>
+            <a:r>
+              <a:rPr lang="pl-PL" dirty="0"/>
+              <a:t>, </a:t>
+            </a:r>
+            <a:r>
+              <a:rPr lang="pl-PL" dirty="0" err="1"/>
+              <a:t>Appender</a:t>
+            </a:r>
+            <a:r>
+              <a:rPr lang="pl-PL" dirty="0"/>
+              <a:t>, Layout. Konfiguracja logowania przez plik ma tą przewagę że logowanie </a:t>
+            </a:r>
+            <a:r>
+              <a:rPr lang="pl-PL" dirty="0" err="1"/>
+              <a:t>mże</a:t>
+            </a:r>
+            <a:r>
+              <a:rPr lang="pl-PL" dirty="0"/>
+              <a:t> być włączane oraz wyłączane bez potrzeby modyfikowania aplikacji, która używa Log4J. </a:t>
+            </a:r>
+          </a:p>
+          <a:p>
+            <a:pPr marL="285750" indent="-285750">
+              <a:buFont typeface="Arial" panose="020B0604020202020204" pitchFamily="34" charset="0"/>
+              <a:buChar char="•"/>
+            </a:pPr>
+            <a:r>
+              <a:rPr lang="pl-PL" b="1" dirty="0" err="1"/>
+              <a:t>Loggery</a:t>
+            </a:r>
+            <a:r>
+              <a:rPr lang="pl-PL" dirty="0"/>
+              <a:t> są to obiekty posiadające metody, które tworzą logi i ustawiają im odpowiedni priorytet.</a:t>
+            </a:r>
+          </a:p>
+          <a:p>
+            <a:pPr marL="285750" indent="-285750">
+              <a:buFont typeface="Arial" panose="020B0604020202020204" pitchFamily="34" charset="0"/>
+              <a:buChar char="•"/>
+            </a:pPr>
+            <a:r>
+              <a:rPr lang="pl-PL" b="1" dirty="0" err="1"/>
+              <a:t>Appendery</a:t>
+            </a:r>
+            <a:r>
+              <a:rPr lang="pl-PL" dirty="0"/>
+              <a:t> są to obiekty, w których </a:t>
+            </a:r>
+            <a:r>
+              <a:rPr lang="pl-PL" dirty="0" err="1"/>
+              <a:t>sa</a:t>
+            </a:r>
+            <a:r>
+              <a:rPr lang="pl-PL" dirty="0"/>
+              <a:t> definiowane miejsca do których mogą trafić logi.</a:t>
+            </a:r>
+          </a:p>
+          <a:p>
+            <a:pPr marL="285750" indent="-285750">
+              <a:buFont typeface="Arial" panose="020B0604020202020204" pitchFamily="34" charset="0"/>
+              <a:buChar char="•"/>
+            </a:pPr>
+            <a:r>
+              <a:rPr lang="pl-PL" b="1" dirty="0"/>
+              <a:t>Layouty</a:t>
+            </a:r>
+            <a:r>
+              <a:rPr lang="pl-PL" dirty="0"/>
+              <a:t> są obiekty, które decydują o postaci jakie mają mieć komunikaty.</a:t>
+            </a:r>
+          </a:p>
+        </p:txBody>
+      </p:sp>
+    </p:spTree>
+    <p:extLst>
+      <p:ext uri="{BB962C8B-B14F-4D97-AF65-F5344CB8AC3E}">
+        <p14:creationId xmlns:p14="http://schemas.microsoft.com/office/powerpoint/2010/main" val="2681425051"/>
+      </p:ext>
+    </p:extLst>
+  </p:cSld>
+  <p:clrMapOvr>
+    <a:masterClrMapping/>
+  </p:clrMapOvr>
+  <mc:AlternateContent xmlns:mc="http://schemas.openxmlformats.org/markup-compatibility/2006" xmlns:p14="http://schemas.microsoft.com/office/powerpoint/2010/main">
+    <mc:Choice Requires="p14">
+      <p:transition spd="med" p14:dur="700">
+        <p:fade/>
+      </p:transition>
+    </mc:Choice>
+    <mc:Fallback xmlns="">
+      <p:transition spd="med">
+        <p:fade/>
+      </p:transition>
+    </mc:Fallback>
+  </mc:AlternateContent>
+</p:sld>
+</file>
+
+<file path=ppt/slides/slide8.xml><?xml version="1.0" encoding="utf-8"?>
+<p:sld xmlns:a="http://schemas.openxmlformats.org/drawingml/2006/main" xmlns:r="http://schemas.openxmlformats.org/officeDocument/2006/relationships" xmlns:p="http://schemas.openxmlformats.org/presentationml/2006/main">
+  <p:cSld>
+    <p:spTree>
+      <p:nvGrpSpPr>
+        <p:cNvPr id="1" name=""/>
+        <p:cNvGrpSpPr/>
+        <p:nvPr/>
+      </p:nvGrpSpPr>
+      <p:grpSpPr>
+        <a:xfrm>
+          <a:off x="0" y="0"/>
+          <a:ext cx="0" cy="0"/>
+          <a:chOff x="0" y="0"/>
+          <a:chExt cx="0" cy="0"/>
+        </a:xfrm>
+      </p:grpSpPr>
+      <p:sp>
+        <p:nvSpPr>
+          <p:cNvPr id="2" name="Tytuł 1">
+            <a:extLst>
+              <a:ext uri="{FF2B5EF4-FFF2-40B4-BE49-F238E27FC236}">
+                <a16:creationId xmlns:a16="http://schemas.microsoft.com/office/drawing/2014/main" id="{02E3E2CA-2F17-4A7B-A9D5-25336ECCEB72}"/>
+              </a:ext>
+            </a:extLst>
+          </p:cNvPr>
+          <p:cNvSpPr>
+            <a:spLocks noGrp="1"/>
+          </p:cNvSpPr>
+          <p:nvPr>
+            <p:ph type="title"/>
+          </p:nvPr>
+        </p:nvSpPr>
+        <p:spPr/>
+        <p:txBody>
+          <a:bodyPr/>
+          <a:lstStyle/>
+          <a:p>
+            <a:r>
+              <a:rPr lang="pl-PL" dirty="0"/>
+              <a:t>Lokalizacja pliku konfiguracyjnego Log4j</a:t>
+            </a:r>
+          </a:p>
+        </p:txBody>
+      </p:sp>
+      <p:sp>
+        <p:nvSpPr>
+          <p:cNvPr id="6" name="Symbol zastępczy zawartości 5">
+            <a:extLst>
+              <a:ext uri="{FF2B5EF4-FFF2-40B4-BE49-F238E27FC236}">
+                <a16:creationId xmlns:a16="http://schemas.microsoft.com/office/drawing/2014/main" id="{837C05B2-6A37-4B2F-97EA-0C7A61DBAFED}"/>
+              </a:ext>
+            </a:extLst>
+          </p:cNvPr>
+          <p:cNvSpPr>
+            <a:spLocks noGrp="1"/>
+          </p:cNvSpPr>
+          <p:nvPr>
+            <p:ph sz="quarter" idx="4"/>
+          </p:nvPr>
+        </p:nvSpPr>
+        <p:spPr>
+          <a:xfrm>
+            <a:off x="1522411" y="1752600"/>
+            <a:ext cx="9396538" cy="4267201"/>
+          </a:xfrm>
+        </p:spPr>
+        <p:txBody>
+          <a:bodyPr/>
+          <a:lstStyle/>
+          <a:p>
+            <a:pPr marL="0" indent="0">
+              <a:buNone/>
+            </a:pPr>
+            <a:r>
+              <a:rPr lang="pl-PL" dirty="0"/>
+              <a:t>Domyślnie Log4j szuka pliku konfiguracyjnego o nazwie log4j2.xml (nie log4j.xml) w ścieżce klasy.</a:t>
+            </a:r>
+          </a:p>
+          <a:p>
+            <a:pPr marL="0" indent="0">
+              <a:buNone/>
+            </a:pPr>
+            <a:r>
+              <a:rPr lang="pl-PL" dirty="0"/>
+              <a:t>Za pomocą tej właściwości systemowej można również określić pełną ścieżkę pliku konfiguracyjnego: </a:t>
+            </a:r>
+            <a:r>
+              <a:rPr lang="en-US" dirty="0">
+                <a:latin typeface="Consolas" panose="020B0609020204030204" pitchFamily="49" charset="0"/>
+                <a:cs typeface="Consolas" panose="020B0609020204030204" pitchFamily="49" charset="0"/>
+              </a:rPr>
+              <a:t>Dlog4j.configurationFile=path/to/log4j2.xml</a:t>
+            </a:r>
+            <a:endParaRPr lang="pl-PL" dirty="0">
+              <a:latin typeface="Consolas" panose="020B0609020204030204" pitchFamily="49" charset="0"/>
+              <a:cs typeface="Consolas" panose="020B0609020204030204" pitchFamily="49" charset="0"/>
+            </a:endParaRPr>
+          </a:p>
+          <a:p>
+            <a:pPr marL="0" indent="0">
+              <a:buNone/>
+            </a:pPr>
+            <a:r>
+              <a:rPr lang="pl-PL" dirty="0">
+                <a:cs typeface="Consolas" panose="020B0609020204030204" pitchFamily="49" charset="0"/>
+              </a:rPr>
+              <a:t>Ta właściwość może być również uwzględniona w pliku </a:t>
+            </a:r>
+            <a:r>
+              <a:rPr lang="pl-PL" dirty="0">
+                <a:latin typeface="Consolas" panose="020B0609020204030204" pitchFamily="49" charset="0"/>
+                <a:cs typeface="Consolas" panose="020B0609020204030204" pitchFamily="49" charset="0"/>
+              </a:rPr>
+              <a:t>log4j2.component.properties</a:t>
+            </a:r>
+          </a:p>
+        </p:txBody>
+      </p:sp>
+    </p:spTree>
+    <p:extLst>
+      <p:ext uri="{BB962C8B-B14F-4D97-AF65-F5344CB8AC3E}">
+        <p14:creationId xmlns:p14="http://schemas.microsoft.com/office/powerpoint/2010/main" val="3802460232"/>
+      </p:ext>
+    </p:extLst>
+  </p:cSld>
+  <p:clrMapOvr>
+    <a:masterClrMapping/>
+  </p:clrMapOvr>
+  <mc:AlternateContent xmlns:mc="http://schemas.openxmlformats.org/markup-compatibility/2006" xmlns:p14="http://schemas.microsoft.com/office/powerpoint/2010/main">
+    <mc:Choice Requires="p14">
+      <p:transition spd="med" p14:dur="700">
+        <p:fade/>
+      </p:transition>
+    </mc:Choice>
+    <mc:Fallback xmlns="">
+      <p:transition spd="med">
+        <p:fade/>
+      </p:transition>
+    </mc:Fallback>
+  </mc:AlternateContent>
+</p:sld>
+</file>
+
+<file path=ppt/slides/slide9.xml><?xml version="1.0" encoding="utf-8"?>
+<p:sld xmlns:a="http://schemas.openxmlformats.org/drawingml/2006/main" xmlns:r="http://schemas.openxmlformats.org/officeDocument/2006/relationships" xmlns:p="http://schemas.openxmlformats.org/presentationml/2006/main">
+  <p:cSld>
+    <p:spTree>
+      <p:nvGrpSpPr>
+        <p:cNvPr id="1" name=""/>
+        <p:cNvGrpSpPr/>
+        <p:nvPr/>
+      </p:nvGrpSpPr>
+      <p:grpSpPr>
+        <a:xfrm>
+          <a:off x="0" y="0"/>
+          <a:ext cx="0" cy="0"/>
+          <a:chOff x="0" y="0"/>
+          <a:chExt cx="0" cy="0"/>
+        </a:xfrm>
+      </p:grpSpPr>
+      <p:sp>
+        <p:nvSpPr>
+          <p:cNvPr id="2" name="Tytuł 1">
+            <a:extLst>
+              <a:ext uri="{FF2B5EF4-FFF2-40B4-BE49-F238E27FC236}">
+                <a16:creationId xmlns:a16="http://schemas.microsoft.com/office/drawing/2014/main" id="{0036BDC5-4239-443A-9747-4E9B7F4FEFF7}"/>
+              </a:ext>
+            </a:extLst>
+          </p:cNvPr>
+          <p:cNvSpPr>
+            <a:spLocks noGrp="1"/>
+          </p:cNvSpPr>
+          <p:nvPr>
+            <p:ph type="title"/>
+          </p:nvPr>
+        </p:nvSpPr>
+        <p:spPr>
+          <a:xfrm>
+            <a:off x="1522412" y="116632"/>
+            <a:ext cx="9144001" cy="627856"/>
+          </a:xfrm>
+        </p:spPr>
+        <p:txBody>
+          <a:bodyPr/>
+          <a:lstStyle/>
+          <a:p>
+            <a:r>
+              <a:rPr lang="pl-PL" dirty="0"/>
+              <a:t>Przykładowa konfiguracja </a:t>
+            </a:r>
+            <a:r>
+              <a:rPr lang="pl-PL" dirty="0" err="1"/>
+              <a:t>xml</a:t>
+            </a:r>
+            <a:endParaRPr lang="pl-PL" dirty="0"/>
+          </a:p>
+        </p:txBody>
+      </p:sp>
+      <p:sp>
+        <p:nvSpPr>
+          <p:cNvPr id="6" name="Symbol zastępczy zawartości 5">
+            <a:extLst>
+              <a:ext uri="{FF2B5EF4-FFF2-40B4-BE49-F238E27FC236}">
+                <a16:creationId xmlns:a16="http://schemas.microsoft.com/office/drawing/2014/main" id="{47208E92-C18D-418B-AE48-04F5224A355A}"/>
+              </a:ext>
+            </a:extLst>
+          </p:cNvPr>
+          <p:cNvSpPr>
+            <a:spLocks noGrp="1"/>
+          </p:cNvSpPr>
+          <p:nvPr>
+            <p:ph sz="quarter" idx="4"/>
+          </p:nvPr>
+        </p:nvSpPr>
+        <p:spPr>
+          <a:xfrm>
+            <a:off x="333772" y="744488"/>
+            <a:ext cx="11665295" cy="6113512"/>
+          </a:xfrm>
+          <a:solidFill>
+            <a:schemeClr val="bg1"/>
+          </a:solidFill>
+        </p:spPr>
+        <p:txBody>
+          <a:bodyPr>
+            <a:noAutofit/>
+          </a:bodyPr>
+          <a:lstStyle/>
+          <a:p>
+            <a:pPr marL="0" indent="0">
+              <a:spcBef>
+                <a:spcPts val="200"/>
+              </a:spcBef>
+              <a:buNone/>
+            </a:pPr>
+            <a:r>
+              <a:rPr lang="pl-PL" sz="800" dirty="0">
+                <a:latin typeface="Consolas" panose="020B0609020204030204" pitchFamily="49" charset="0"/>
+                <a:cs typeface="Consolas" panose="020B0609020204030204" pitchFamily="49" charset="0"/>
+              </a:rPr>
+              <a:t>&lt;?</a:t>
+            </a:r>
+            <a:r>
+              <a:rPr lang="pl-PL" sz="800" dirty="0" err="1">
+                <a:latin typeface="Consolas" panose="020B0609020204030204" pitchFamily="49" charset="0"/>
+                <a:cs typeface="Consolas" panose="020B0609020204030204" pitchFamily="49" charset="0"/>
+              </a:rPr>
+              <a:t>xml</a:t>
+            </a:r>
+            <a:r>
+              <a:rPr lang="pl-PL" sz="800" dirty="0">
+                <a:latin typeface="Consolas" panose="020B0609020204030204" pitchFamily="49" charset="0"/>
+                <a:cs typeface="Consolas" panose="020B0609020204030204" pitchFamily="49" charset="0"/>
+              </a:rPr>
+              <a:t> version="1.0" </a:t>
+            </a:r>
+            <a:r>
+              <a:rPr lang="pl-PL" sz="800" dirty="0" err="1">
+                <a:latin typeface="Consolas" panose="020B0609020204030204" pitchFamily="49" charset="0"/>
+                <a:cs typeface="Consolas" panose="020B0609020204030204" pitchFamily="49" charset="0"/>
+              </a:rPr>
+              <a:t>encoding</a:t>
+            </a:r>
+            <a:r>
+              <a:rPr lang="pl-PL" sz="800" dirty="0">
+                <a:latin typeface="Consolas" panose="020B0609020204030204" pitchFamily="49" charset="0"/>
+                <a:cs typeface="Consolas" panose="020B0609020204030204" pitchFamily="49" charset="0"/>
+              </a:rPr>
+              <a:t>="UTF-8"?&gt;</a:t>
+            </a:r>
+          </a:p>
+          <a:p>
+            <a:pPr marL="0" indent="0">
+              <a:spcBef>
+                <a:spcPts val="200"/>
+              </a:spcBef>
+              <a:buNone/>
+            </a:pPr>
+            <a:r>
+              <a:rPr lang="pl-PL" sz="800" dirty="0">
+                <a:latin typeface="Consolas" panose="020B0609020204030204" pitchFamily="49" charset="0"/>
+                <a:cs typeface="Consolas" panose="020B0609020204030204" pitchFamily="49" charset="0"/>
+              </a:rPr>
+              <a:t>&lt;</a:t>
+            </a:r>
+            <a:r>
+              <a:rPr lang="pl-PL" sz="800" dirty="0" err="1">
+                <a:latin typeface="Consolas" panose="020B0609020204030204" pitchFamily="49" charset="0"/>
+                <a:cs typeface="Consolas" panose="020B0609020204030204" pitchFamily="49" charset="0"/>
+              </a:rPr>
+              <a:t>Configuration</a:t>
+            </a:r>
+            <a:r>
+              <a:rPr lang="pl-PL" sz="800" dirty="0">
+                <a:latin typeface="Consolas" panose="020B0609020204030204" pitchFamily="49" charset="0"/>
+                <a:cs typeface="Consolas" panose="020B0609020204030204" pitchFamily="49" charset="0"/>
+              </a:rPr>
+              <a:t> status="</a:t>
+            </a:r>
+            <a:r>
+              <a:rPr lang="pl-PL" sz="800" dirty="0" err="1">
+                <a:latin typeface="Consolas" panose="020B0609020204030204" pitchFamily="49" charset="0"/>
+                <a:cs typeface="Consolas" panose="020B0609020204030204" pitchFamily="49" charset="0"/>
+              </a:rPr>
+              <a:t>trace</a:t>
+            </a:r>
+            <a:r>
+              <a:rPr lang="pl-PL" sz="800" dirty="0">
+                <a:latin typeface="Consolas" panose="020B0609020204030204" pitchFamily="49" charset="0"/>
+                <a:cs typeface="Consolas" panose="020B0609020204030204" pitchFamily="49" charset="0"/>
+              </a:rPr>
+              <a:t>" </a:t>
+            </a:r>
+            <a:r>
+              <a:rPr lang="pl-PL" sz="800" dirty="0" err="1">
+                <a:latin typeface="Consolas" panose="020B0609020204030204" pitchFamily="49" charset="0"/>
+                <a:cs typeface="Consolas" panose="020B0609020204030204" pitchFamily="49" charset="0"/>
+              </a:rPr>
+              <a:t>monitorInterval</a:t>
+            </a:r>
+            <a:r>
+              <a:rPr lang="pl-PL" sz="800" dirty="0">
+                <a:latin typeface="Consolas" panose="020B0609020204030204" pitchFamily="49" charset="0"/>
+                <a:cs typeface="Consolas" panose="020B0609020204030204" pitchFamily="49" charset="0"/>
+              </a:rPr>
+              <a:t>="60"&gt;</a:t>
+            </a:r>
+          </a:p>
+          <a:p>
+            <a:pPr marL="0" indent="0">
+              <a:spcBef>
+                <a:spcPts val="200"/>
+              </a:spcBef>
+              <a:buNone/>
+            </a:pPr>
+            <a:r>
+              <a:rPr lang="pl-PL" sz="800" dirty="0">
+                <a:latin typeface="Consolas" panose="020B0609020204030204" pitchFamily="49" charset="0"/>
+                <a:cs typeface="Consolas" panose="020B0609020204030204" pitchFamily="49" charset="0"/>
+              </a:rPr>
+              <a:t>  &lt;</a:t>
+            </a:r>
+            <a:r>
+              <a:rPr lang="pl-PL" sz="800" dirty="0" err="1">
+                <a:latin typeface="Consolas" panose="020B0609020204030204" pitchFamily="49" charset="0"/>
+                <a:cs typeface="Consolas" panose="020B0609020204030204" pitchFamily="49" charset="0"/>
+              </a:rPr>
+              <a:t>Properties</a:t>
+            </a:r>
+            <a:r>
+              <a:rPr lang="pl-PL" sz="800" dirty="0">
+                <a:latin typeface="Consolas" panose="020B0609020204030204" pitchFamily="49" charset="0"/>
+                <a:cs typeface="Consolas" panose="020B0609020204030204" pitchFamily="49" charset="0"/>
+              </a:rPr>
+              <a:t>&gt;</a:t>
+            </a:r>
+          </a:p>
+          <a:p>
+            <a:pPr marL="0" indent="0">
+              <a:spcBef>
+                <a:spcPts val="200"/>
+              </a:spcBef>
+              <a:buNone/>
+            </a:pPr>
+            <a:r>
+              <a:rPr lang="pl-PL" sz="800" dirty="0">
+                <a:latin typeface="Consolas" panose="020B0609020204030204" pitchFamily="49" charset="0"/>
+                <a:cs typeface="Consolas" panose="020B0609020204030204" pitchFamily="49" charset="0"/>
+              </a:rPr>
+              <a:t>    &lt;</a:t>
+            </a:r>
+            <a:r>
+              <a:rPr lang="pl-PL" sz="800" dirty="0" err="1">
+                <a:latin typeface="Consolas" panose="020B0609020204030204" pitchFamily="49" charset="0"/>
+                <a:cs typeface="Consolas" panose="020B0609020204030204" pitchFamily="49" charset="0"/>
+              </a:rPr>
+              <a:t>Property</a:t>
+            </a:r>
+            <a:r>
+              <a:rPr lang="pl-PL" sz="800" dirty="0">
+                <a:latin typeface="Consolas" panose="020B0609020204030204" pitchFamily="49" charset="0"/>
+                <a:cs typeface="Consolas" panose="020B0609020204030204" pitchFamily="49" charset="0"/>
+              </a:rPr>
+              <a:t> </a:t>
+            </a:r>
+            <a:r>
+              <a:rPr lang="pl-PL" sz="800" dirty="0" err="1">
+                <a:latin typeface="Consolas" panose="020B0609020204030204" pitchFamily="49" charset="0"/>
+                <a:cs typeface="Consolas" panose="020B0609020204030204" pitchFamily="49" charset="0"/>
+              </a:rPr>
+              <a:t>name</a:t>
+            </a:r>
+            <a:r>
+              <a:rPr lang="pl-PL" sz="800" dirty="0">
+                <a:latin typeface="Consolas" panose="020B0609020204030204" pitchFamily="49" charset="0"/>
+                <a:cs typeface="Consolas" panose="020B0609020204030204" pitchFamily="49" charset="0"/>
+              </a:rPr>
+              <a:t>="</a:t>
+            </a:r>
+            <a:r>
+              <a:rPr lang="pl-PL" sz="800" dirty="0" err="1">
+                <a:latin typeface="Consolas" panose="020B0609020204030204" pitchFamily="49" charset="0"/>
+                <a:cs typeface="Consolas" panose="020B0609020204030204" pitchFamily="49" charset="0"/>
+              </a:rPr>
+              <a:t>filename</a:t>
+            </a:r>
+            <a:r>
+              <a:rPr lang="pl-PL" sz="800" dirty="0">
+                <a:latin typeface="Consolas" panose="020B0609020204030204" pitchFamily="49" charset="0"/>
+                <a:cs typeface="Consolas" panose="020B0609020204030204" pitchFamily="49" charset="0"/>
+              </a:rPr>
+              <a:t>"&gt;target/test.log&lt;/</a:t>
+            </a:r>
+            <a:r>
+              <a:rPr lang="pl-PL" sz="800" dirty="0" err="1">
+                <a:latin typeface="Consolas" panose="020B0609020204030204" pitchFamily="49" charset="0"/>
+                <a:cs typeface="Consolas" panose="020B0609020204030204" pitchFamily="49" charset="0"/>
+              </a:rPr>
+              <a:t>Property</a:t>
+            </a:r>
+            <a:r>
+              <a:rPr lang="pl-PL" sz="800" dirty="0">
+                <a:latin typeface="Consolas" panose="020B0609020204030204" pitchFamily="49" charset="0"/>
+                <a:cs typeface="Consolas" panose="020B0609020204030204" pitchFamily="49" charset="0"/>
+              </a:rPr>
+              <a:t>&gt;</a:t>
+            </a:r>
+          </a:p>
+          <a:p>
+            <a:pPr marL="0" indent="0">
+              <a:spcBef>
+                <a:spcPts val="200"/>
+              </a:spcBef>
+              <a:buNone/>
+            </a:pPr>
+            <a:r>
+              <a:rPr lang="pl-PL" sz="800" dirty="0">
+                <a:latin typeface="Consolas" panose="020B0609020204030204" pitchFamily="49" charset="0"/>
+                <a:cs typeface="Consolas" panose="020B0609020204030204" pitchFamily="49" charset="0"/>
+              </a:rPr>
+              <a:t>  &lt;/</a:t>
+            </a:r>
+            <a:r>
+              <a:rPr lang="pl-PL" sz="800" dirty="0" err="1">
+                <a:latin typeface="Consolas" panose="020B0609020204030204" pitchFamily="49" charset="0"/>
+                <a:cs typeface="Consolas" panose="020B0609020204030204" pitchFamily="49" charset="0"/>
+              </a:rPr>
+              <a:t>Properties</a:t>
+            </a:r>
+            <a:r>
+              <a:rPr lang="pl-PL" sz="800" dirty="0">
+                <a:latin typeface="Consolas" panose="020B0609020204030204" pitchFamily="49" charset="0"/>
+                <a:cs typeface="Consolas" panose="020B0609020204030204" pitchFamily="49" charset="0"/>
+              </a:rPr>
+              <a:t>&gt;</a:t>
+            </a:r>
+          </a:p>
+          <a:p>
+            <a:pPr marL="0" indent="0">
+              <a:spcBef>
+                <a:spcPts val="200"/>
+              </a:spcBef>
+              <a:buNone/>
+            </a:pPr>
+            <a:r>
+              <a:rPr lang="pl-PL" sz="800" dirty="0">
+                <a:latin typeface="Consolas" panose="020B0609020204030204" pitchFamily="49" charset="0"/>
+                <a:cs typeface="Consolas" panose="020B0609020204030204" pitchFamily="49" charset="0"/>
+              </a:rPr>
+              <a:t> </a:t>
+            </a:r>
+          </a:p>
+          <a:p>
+            <a:pPr marL="0" indent="0">
+              <a:spcBef>
+                <a:spcPts val="200"/>
+              </a:spcBef>
+              <a:buNone/>
+            </a:pPr>
+            <a:r>
+              <a:rPr lang="pl-PL" sz="800" dirty="0">
+                <a:latin typeface="Consolas" panose="020B0609020204030204" pitchFamily="49" charset="0"/>
+                <a:cs typeface="Consolas" panose="020B0609020204030204" pitchFamily="49" charset="0"/>
+              </a:rPr>
+              <a:t>  &lt;</a:t>
+            </a:r>
+            <a:r>
+              <a:rPr lang="pl-PL" sz="800" dirty="0" err="1">
+                <a:latin typeface="Consolas" panose="020B0609020204030204" pitchFamily="49" charset="0"/>
+                <a:cs typeface="Consolas" panose="020B0609020204030204" pitchFamily="49" charset="0"/>
+              </a:rPr>
+              <a:t>Appenders</a:t>
+            </a:r>
+            <a:r>
+              <a:rPr lang="pl-PL" sz="800" dirty="0">
+                <a:latin typeface="Consolas" panose="020B0609020204030204" pitchFamily="49" charset="0"/>
+                <a:cs typeface="Consolas" panose="020B0609020204030204" pitchFamily="49" charset="0"/>
+              </a:rPr>
+              <a:t>&gt;</a:t>
+            </a:r>
+          </a:p>
+          <a:p>
+            <a:pPr marL="0" indent="0">
+              <a:spcBef>
+                <a:spcPts val="200"/>
+              </a:spcBef>
+              <a:buNone/>
+            </a:pPr>
+            <a:r>
+              <a:rPr lang="pl-PL" sz="800" dirty="0">
+                <a:latin typeface="Consolas" panose="020B0609020204030204" pitchFamily="49" charset="0"/>
+                <a:cs typeface="Consolas" panose="020B0609020204030204" pitchFamily="49" charset="0"/>
+              </a:rPr>
+              <a:t>    &lt;</a:t>
+            </a:r>
+            <a:r>
+              <a:rPr lang="pl-PL" sz="800" dirty="0" err="1">
+                <a:latin typeface="Consolas" panose="020B0609020204030204" pitchFamily="49" charset="0"/>
+                <a:cs typeface="Consolas" panose="020B0609020204030204" pitchFamily="49" charset="0"/>
+              </a:rPr>
+              <a:t>Console</a:t>
+            </a:r>
+            <a:r>
+              <a:rPr lang="pl-PL" sz="800" dirty="0">
+                <a:latin typeface="Consolas" panose="020B0609020204030204" pitchFamily="49" charset="0"/>
+                <a:cs typeface="Consolas" panose="020B0609020204030204" pitchFamily="49" charset="0"/>
+              </a:rPr>
+              <a:t> </a:t>
+            </a:r>
+            <a:r>
+              <a:rPr lang="pl-PL" sz="800" dirty="0" err="1">
+                <a:latin typeface="Consolas" panose="020B0609020204030204" pitchFamily="49" charset="0"/>
+                <a:cs typeface="Consolas" panose="020B0609020204030204" pitchFamily="49" charset="0"/>
+              </a:rPr>
+              <a:t>name</a:t>
+            </a:r>
+            <a:r>
+              <a:rPr lang="pl-PL" sz="800" dirty="0">
+                <a:latin typeface="Consolas" panose="020B0609020204030204" pitchFamily="49" charset="0"/>
+                <a:cs typeface="Consolas" panose="020B0609020204030204" pitchFamily="49" charset="0"/>
+              </a:rPr>
+              <a:t>="STDOUT"&gt;</a:t>
+            </a:r>
+          </a:p>
+          <a:p>
+            <a:pPr marL="0" indent="0">
+              <a:spcBef>
+                <a:spcPts val="200"/>
+              </a:spcBef>
+              <a:buNone/>
+            </a:pPr>
+            <a:r>
+              <a:rPr lang="pl-PL" sz="800" dirty="0">
+                <a:latin typeface="Consolas" panose="020B0609020204030204" pitchFamily="49" charset="0"/>
+                <a:cs typeface="Consolas" panose="020B0609020204030204" pitchFamily="49" charset="0"/>
+              </a:rPr>
+              <a:t>      &lt;</a:t>
+            </a:r>
+            <a:r>
+              <a:rPr lang="pl-PL" sz="800" dirty="0" err="1">
+                <a:latin typeface="Consolas" panose="020B0609020204030204" pitchFamily="49" charset="0"/>
+                <a:cs typeface="Consolas" panose="020B0609020204030204" pitchFamily="49" charset="0"/>
+              </a:rPr>
+              <a:t>PatternLayout</a:t>
+            </a:r>
+            <a:r>
+              <a:rPr lang="pl-PL" sz="800" dirty="0">
+                <a:latin typeface="Consolas" panose="020B0609020204030204" pitchFamily="49" charset="0"/>
+                <a:cs typeface="Consolas" panose="020B0609020204030204" pitchFamily="49" charset="0"/>
+              </a:rPr>
+              <a:t> </a:t>
+            </a:r>
+            <a:r>
+              <a:rPr lang="pl-PL" sz="800" dirty="0" err="1">
+                <a:latin typeface="Consolas" panose="020B0609020204030204" pitchFamily="49" charset="0"/>
+                <a:cs typeface="Consolas" panose="020B0609020204030204" pitchFamily="49" charset="0"/>
+              </a:rPr>
+              <a:t>pattern</a:t>
+            </a:r>
+            <a:r>
+              <a:rPr lang="pl-PL" sz="800" dirty="0">
+                <a:latin typeface="Consolas" panose="020B0609020204030204" pitchFamily="49" charset="0"/>
+                <a:cs typeface="Consolas" panose="020B0609020204030204" pitchFamily="49" charset="0"/>
+              </a:rPr>
+              <a:t>="%d %p %c{1.} [%t] %</a:t>
+            </a:r>
+            <a:r>
+              <a:rPr lang="pl-PL" sz="800" dirty="0" err="1">
+                <a:latin typeface="Consolas" panose="020B0609020204030204" pitchFamily="49" charset="0"/>
+                <a:cs typeface="Consolas" panose="020B0609020204030204" pitchFamily="49" charset="0"/>
+              </a:rPr>
+              <a:t>m%n</a:t>
+            </a:r>
+            <a:r>
+              <a:rPr lang="pl-PL" sz="800" dirty="0">
+                <a:latin typeface="Consolas" panose="020B0609020204030204" pitchFamily="49" charset="0"/>
+                <a:cs typeface="Consolas" panose="020B0609020204030204" pitchFamily="49" charset="0"/>
+              </a:rPr>
+              <a:t>"/&gt;</a:t>
+            </a:r>
+          </a:p>
+          <a:p>
+            <a:pPr marL="0" indent="0">
+              <a:spcBef>
+                <a:spcPts val="200"/>
+              </a:spcBef>
+              <a:buNone/>
+            </a:pPr>
+            <a:r>
+              <a:rPr lang="pl-PL" sz="800" dirty="0">
+                <a:latin typeface="Consolas" panose="020B0609020204030204" pitchFamily="49" charset="0"/>
+                <a:cs typeface="Consolas" panose="020B0609020204030204" pitchFamily="49" charset="0"/>
+              </a:rPr>
+              <a:t>    &lt;/</a:t>
+            </a:r>
+            <a:r>
+              <a:rPr lang="pl-PL" sz="800" dirty="0" err="1">
+                <a:latin typeface="Consolas" panose="020B0609020204030204" pitchFamily="49" charset="0"/>
+                <a:cs typeface="Consolas" panose="020B0609020204030204" pitchFamily="49" charset="0"/>
+              </a:rPr>
+              <a:t>Console</a:t>
+            </a:r>
+            <a:r>
+              <a:rPr lang="pl-PL" sz="800" dirty="0">
+                <a:latin typeface="Consolas" panose="020B0609020204030204" pitchFamily="49" charset="0"/>
+                <a:cs typeface="Consolas" panose="020B0609020204030204" pitchFamily="49" charset="0"/>
+              </a:rPr>
+              <a:t>&gt;</a:t>
+            </a:r>
+          </a:p>
+          <a:p>
+            <a:pPr marL="0" indent="0">
+              <a:spcBef>
+                <a:spcPts val="200"/>
+              </a:spcBef>
+              <a:buNone/>
+            </a:pPr>
+            <a:endParaRPr lang="pl-PL" sz="800" dirty="0">
+              <a:latin typeface="Consolas" panose="020B0609020204030204" pitchFamily="49" charset="0"/>
+              <a:cs typeface="Consolas" panose="020B0609020204030204" pitchFamily="49" charset="0"/>
+            </a:endParaRPr>
+          </a:p>
+          <a:p>
+            <a:pPr marL="0" indent="0">
+              <a:spcBef>
+                <a:spcPts val="200"/>
+              </a:spcBef>
+              <a:buNone/>
+            </a:pPr>
+            <a:r>
+              <a:rPr lang="pl-PL" sz="800" dirty="0">
+                <a:latin typeface="Consolas" panose="020B0609020204030204" pitchFamily="49" charset="0"/>
+                <a:cs typeface="Consolas" panose="020B0609020204030204" pitchFamily="49" charset="0"/>
+              </a:rPr>
+              <a:t>    &lt;File </a:t>
+            </a:r>
+            <a:r>
+              <a:rPr lang="pl-PL" sz="800" dirty="0" err="1">
+                <a:latin typeface="Consolas" panose="020B0609020204030204" pitchFamily="49" charset="0"/>
+                <a:cs typeface="Consolas" panose="020B0609020204030204" pitchFamily="49" charset="0"/>
+              </a:rPr>
+              <a:t>name</a:t>
+            </a:r>
+            <a:r>
+              <a:rPr lang="pl-PL" sz="800" dirty="0">
+                <a:latin typeface="Consolas" panose="020B0609020204030204" pitchFamily="49" charset="0"/>
+                <a:cs typeface="Consolas" panose="020B0609020204030204" pitchFamily="49" charset="0"/>
+              </a:rPr>
+              <a:t>="file" </a:t>
+            </a:r>
+            <a:r>
+              <a:rPr lang="pl-PL" sz="800" dirty="0" err="1">
+                <a:latin typeface="Consolas" panose="020B0609020204030204" pitchFamily="49" charset="0"/>
+                <a:cs typeface="Consolas" panose="020B0609020204030204" pitchFamily="49" charset="0"/>
+              </a:rPr>
+              <a:t>fileName</a:t>
+            </a:r>
+            <a:r>
+              <a:rPr lang="pl-PL" sz="800" dirty="0">
+                <a:latin typeface="Consolas" panose="020B0609020204030204" pitchFamily="49" charset="0"/>
+                <a:cs typeface="Consolas" panose="020B0609020204030204" pitchFamily="49" charset="0"/>
+              </a:rPr>
+              <a:t>="${</a:t>
+            </a:r>
+            <a:r>
+              <a:rPr lang="pl-PL" sz="800" dirty="0" err="1">
+                <a:latin typeface="Consolas" panose="020B0609020204030204" pitchFamily="49" charset="0"/>
+                <a:cs typeface="Consolas" panose="020B0609020204030204" pitchFamily="49" charset="0"/>
+              </a:rPr>
+              <a:t>filename</a:t>
+            </a:r>
+            <a:r>
+              <a:rPr lang="pl-PL" sz="800" dirty="0">
+                <a:latin typeface="Consolas" panose="020B0609020204030204" pitchFamily="49" charset="0"/>
+                <a:cs typeface="Consolas" panose="020B0609020204030204" pitchFamily="49" charset="0"/>
+              </a:rPr>
+              <a:t>}"&gt;</a:t>
+            </a:r>
+          </a:p>
+          <a:p>
+            <a:pPr marL="0" indent="0">
+              <a:spcBef>
+                <a:spcPts val="200"/>
+              </a:spcBef>
+              <a:buNone/>
+            </a:pPr>
+            <a:r>
+              <a:rPr lang="pl-PL" sz="800" dirty="0">
+                <a:latin typeface="Consolas" panose="020B0609020204030204" pitchFamily="49" charset="0"/>
+                <a:cs typeface="Consolas" panose="020B0609020204030204" pitchFamily="49" charset="0"/>
+              </a:rPr>
+              <a:t>      &lt;</a:t>
+            </a:r>
+            <a:r>
+              <a:rPr lang="pl-PL" sz="800" dirty="0" err="1">
+                <a:latin typeface="Consolas" panose="020B0609020204030204" pitchFamily="49" charset="0"/>
+                <a:cs typeface="Consolas" panose="020B0609020204030204" pitchFamily="49" charset="0"/>
+              </a:rPr>
+              <a:t>PatternLayout</a:t>
+            </a:r>
+            <a:r>
+              <a:rPr lang="pl-PL" sz="800" dirty="0">
+                <a:latin typeface="Consolas" panose="020B0609020204030204" pitchFamily="49" charset="0"/>
+                <a:cs typeface="Consolas" panose="020B0609020204030204" pitchFamily="49" charset="0"/>
+              </a:rPr>
+              <a:t>&gt;</a:t>
+            </a:r>
+          </a:p>
+          <a:p>
+            <a:pPr marL="0" indent="0">
+              <a:spcBef>
+                <a:spcPts val="200"/>
+              </a:spcBef>
+              <a:buNone/>
+            </a:pPr>
+            <a:r>
+              <a:rPr lang="pl-PL" sz="800" dirty="0">
+                <a:latin typeface="Consolas" panose="020B0609020204030204" pitchFamily="49" charset="0"/>
+                <a:cs typeface="Consolas" panose="020B0609020204030204" pitchFamily="49" charset="0"/>
+              </a:rPr>
+              <a:t>        &lt;</a:t>
+            </a:r>
+            <a:r>
+              <a:rPr lang="pl-PL" sz="800" dirty="0" err="1">
+                <a:latin typeface="Consolas" panose="020B0609020204030204" pitchFamily="49" charset="0"/>
+                <a:cs typeface="Consolas" panose="020B0609020204030204" pitchFamily="49" charset="0"/>
+              </a:rPr>
+              <a:t>pattern</a:t>
+            </a:r>
+            <a:r>
+              <a:rPr lang="pl-PL" sz="800" dirty="0">
+                <a:latin typeface="Consolas" panose="020B0609020204030204" pitchFamily="49" charset="0"/>
+                <a:cs typeface="Consolas" panose="020B0609020204030204" pitchFamily="49" charset="0"/>
+              </a:rPr>
+              <a:t>&gt;%d %p %c{1.} [%t] %</a:t>
+            </a:r>
+            <a:r>
+              <a:rPr lang="pl-PL" sz="800" dirty="0" err="1">
+                <a:latin typeface="Consolas" panose="020B0609020204030204" pitchFamily="49" charset="0"/>
+                <a:cs typeface="Consolas" panose="020B0609020204030204" pitchFamily="49" charset="0"/>
+              </a:rPr>
+              <a:t>m%n</a:t>
+            </a:r>
+            <a:r>
+              <a:rPr lang="pl-PL" sz="800" dirty="0">
+                <a:latin typeface="Consolas" panose="020B0609020204030204" pitchFamily="49" charset="0"/>
+                <a:cs typeface="Consolas" panose="020B0609020204030204" pitchFamily="49" charset="0"/>
+              </a:rPr>
+              <a:t>&lt;/</a:t>
+            </a:r>
+            <a:r>
+              <a:rPr lang="pl-PL" sz="800" dirty="0" err="1">
+                <a:latin typeface="Consolas" panose="020B0609020204030204" pitchFamily="49" charset="0"/>
+                <a:cs typeface="Consolas" panose="020B0609020204030204" pitchFamily="49" charset="0"/>
+              </a:rPr>
+              <a:t>pattern</a:t>
+            </a:r>
+            <a:r>
+              <a:rPr lang="pl-PL" sz="800" dirty="0">
+                <a:latin typeface="Consolas" panose="020B0609020204030204" pitchFamily="49" charset="0"/>
+                <a:cs typeface="Consolas" panose="020B0609020204030204" pitchFamily="49" charset="0"/>
+              </a:rPr>
+              <a:t>&gt;</a:t>
+            </a:r>
+          </a:p>
+          <a:p>
+            <a:pPr marL="0" indent="0">
+              <a:spcBef>
+                <a:spcPts val="200"/>
+              </a:spcBef>
+              <a:buNone/>
+            </a:pPr>
+            <a:r>
+              <a:rPr lang="pl-PL" sz="800" dirty="0">
+                <a:latin typeface="Consolas" panose="020B0609020204030204" pitchFamily="49" charset="0"/>
+                <a:cs typeface="Consolas" panose="020B0609020204030204" pitchFamily="49" charset="0"/>
+              </a:rPr>
+              <a:t>      &lt;/</a:t>
+            </a:r>
+            <a:r>
+              <a:rPr lang="pl-PL" sz="800" dirty="0" err="1">
+                <a:latin typeface="Consolas" panose="020B0609020204030204" pitchFamily="49" charset="0"/>
+                <a:cs typeface="Consolas" panose="020B0609020204030204" pitchFamily="49" charset="0"/>
+              </a:rPr>
+              <a:t>PatternLayout</a:t>
+            </a:r>
+            <a:r>
+              <a:rPr lang="pl-PL" sz="800" dirty="0">
+                <a:latin typeface="Consolas" panose="020B0609020204030204" pitchFamily="49" charset="0"/>
+                <a:cs typeface="Consolas" panose="020B0609020204030204" pitchFamily="49" charset="0"/>
+              </a:rPr>
+              <a:t>&gt;</a:t>
+            </a:r>
+          </a:p>
+          <a:p>
+            <a:pPr marL="0" indent="0">
+              <a:spcBef>
+                <a:spcPts val="200"/>
+              </a:spcBef>
+              <a:buNone/>
+            </a:pPr>
+            <a:r>
+              <a:rPr lang="pl-PL" sz="800" dirty="0">
+                <a:latin typeface="Consolas" panose="020B0609020204030204" pitchFamily="49" charset="0"/>
+                <a:cs typeface="Consolas" panose="020B0609020204030204" pitchFamily="49" charset="0"/>
+              </a:rPr>
+              <a:t>    &lt;/File&gt;</a:t>
+            </a:r>
+          </a:p>
+          <a:p>
+            <a:pPr marL="0" indent="0">
+              <a:spcBef>
+                <a:spcPts val="200"/>
+              </a:spcBef>
+              <a:buNone/>
+            </a:pPr>
+            <a:r>
+              <a:rPr lang="pl-PL" sz="800" dirty="0">
+                <a:latin typeface="Consolas" panose="020B0609020204030204" pitchFamily="49" charset="0"/>
+                <a:cs typeface="Consolas" panose="020B0609020204030204" pitchFamily="49" charset="0"/>
+              </a:rPr>
+              <a:t>  &lt;/</a:t>
+            </a:r>
+            <a:r>
+              <a:rPr lang="pl-PL" sz="800" dirty="0" err="1">
+                <a:latin typeface="Consolas" panose="020B0609020204030204" pitchFamily="49" charset="0"/>
+                <a:cs typeface="Consolas" panose="020B0609020204030204" pitchFamily="49" charset="0"/>
+              </a:rPr>
+              <a:t>Appenders</a:t>
+            </a:r>
+            <a:r>
+              <a:rPr lang="pl-PL" sz="800" dirty="0">
+                <a:latin typeface="Consolas" panose="020B0609020204030204" pitchFamily="49" charset="0"/>
+                <a:cs typeface="Consolas" panose="020B0609020204030204" pitchFamily="49" charset="0"/>
+              </a:rPr>
+              <a:t>&gt;</a:t>
+            </a:r>
+          </a:p>
+          <a:p>
+            <a:pPr marL="0" indent="0">
+              <a:spcBef>
+                <a:spcPts val="200"/>
+              </a:spcBef>
+              <a:buNone/>
+            </a:pPr>
+            <a:r>
+              <a:rPr lang="pl-PL" sz="800" dirty="0">
+                <a:latin typeface="Consolas" panose="020B0609020204030204" pitchFamily="49" charset="0"/>
+                <a:cs typeface="Consolas" panose="020B0609020204030204" pitchFamily="49" charset="0"/>
+              </a:rPr>
+              <a:t> </a:t>
+            </a:r>
+          </a:p>
+          <a:p>
+            <a:pPr marL="0" indent="0">
+              <a:spcBef>
+                <a:spcPts val="200"/>
+              </a:spcBef>
+              <a:buNone/>
+            </a:pPr>
+            <a:r>
+              <a:rPr lang="pl-PL" sz="800" dirty="0">
+                <a:latin typeface="Consolas" panose="020B0609020204030204" pitchFamily="49" charset="0"/>
+                <a:cs typeface="Consolas" panose="020B0609020204030204" pitchFamily="49" charset="0"/>
+              </a:rPr>
+              <a:t>  &lt;</a:t>
+            </a:r>
+            <a:r>
+              <a:rPr lang="pl-PL" sz="800" dirty="0" err="1">
+                <a:latin typeface="Consolas" panose="020B0609020204030204" pitchFamily="49" charset="0"/>
+                <a:cs typeface="Consolas" panose="020B0609020204030204" pitchFamily="49" charset="0"/>
+              </a:rPr>
+              <a:t>Loggers</a:t>
+            </a:r>
+            <a:r>
+              <a:rPr lang="pl-PL" sz="800" dirty="0">
+                <a:latin typeface="Consolas" panose="020B0609020204030204" pitchFamily="49" charset="0"/>
+                <a:cs typeface="Consolas" panose="020B0609020204030204" pitchFamily="49" charset="0"/>
+              </a:rPr>
+              <a:t>&gt; </a:t>
+            </a:r>
+          </a:p>
+          <a:p>
+            <a:pPr marL="0" indent="0">
+              <a:spcBef>
+                <a:spcPts val="200"/>
+              </a:spcBef>
+              <a:buNone/>
+            </a:pPr>
+            <a:r>
+              <a:rPr lang="pl-PL" sz="800" dirty="0">
+                <a:latin typeface="Consolas" panose="020B0609020204030204" pitchFamily="49" charset="0"/>
+                <a:cs typeface="Consolas" panose="020B0609020204030204" pitchFamily="49" charset="0"/>
+              </a:rPr>
+              <a:t>    &lt;!-- </a:t>
+            </a:r>
+          </a:p>
+          <a:p>
+            <a:pPr marL="0" indent="0">
+              <a:spcBef>
+                <a:spcPts val="200"/>
+              </a:spcBef>
+              <a:buNone/>
+            </a:pPr>
+            <a:r>
+              <a:rPr lang="pl-PL" sz="800" dirty="0">
+                <a:latin typeface="Consolas" panose="020B0609020204030204" pitchFamily="49" charset="0"/>
+                <a:cs typeface="Consolas" panose="020B0609020204030204" pitchFamily="49" charset="0"/>
+              </a:rPr>
+              <a:t>         </a:t>
+            </a:r>
+            <a:r>
+              <a:rPr lang="pl-PL" sz="800" dirty="0" err="1">
+                <a:latin typeface="Consolas" panose="020B0609020204030204" pitchFamily="49" charset="0"/>
+                <a:cs typeface="Consolas" panose="020B0609020204030204" pitchFamily="49" charset="0"/>
+              </a:rPr>
+              <a:t>Loggery</a:t>
+            </a:r>
+            <a:r>
+              <a:rPr lang="pl-PL" sz="800" dirty="0">
+                <a:latin typeface="Consolas" panose="020B0609020204030204" pitchFamily="49" charset="0"/>
+                <a:cs typeface="Consolas" panose="020B0609020204030204" pitchFamily="49" charset="0"/>
+              </a:rPr>
+              <a:t> których nazwy zaczynają się od '</a:t>
+            </a:r>
+            <a:r>
+              <a:rPr lang="pl-PL" sz="800" dirty="0" err="1">
+                <a:latin typeface="Consolas" panose="020B0609020204030204" pitchFamily="49" charset="0"/>
+                <a:cs typeface="Consolas" panose="020B0609020204030204" pitchFamily="49" charset="0"/>
+              </a:rPr>
+              <a:t>org.springframework</a:t>
+            </a:r>
+            <a:r>
+              <a:rPr lang="pl-PL" sz="800" dirty="0">
+                <a:latin typeface="Consolas" panose="020B0609020204030204" pitchFamily="49" charset="0"/>
+                <a:cs typeface="Consolas" panose="020B0609020204030204" pitchFamily="49" charset="0"/>
+              </a:rPr>
+              <a:t>' będą logować tylko logi z poziomem 'info' lub wyższym</a:t>
+            </a:r>
+          </a:p>
+          <a:p>
+            <a:pPr marL="0" indent="0">
+              <a:spcBef>
+                <a:spcPts val="200"/>
+              </a:spcBef>
+              <a:buNone/>
+            </a:pPr>
+            <a:r>
+              <a:rPr lang="pl-PL" sz="800" dirty="0">
+                <a:latin typeface="Consolas" panose="020B0609020204030204" pitchFamily="49" charset="0"/>
+                <a:cs typeface="Consolas" panose="020B0609020204030204" pitchFamily="49" charset="0"/>
+              </a:rPr>
+              <a:t>    --&gt;</a:t>
+            </a:r>
+          </a:p>
+          <a:p>
+            <a:pPr marL="0" indent="0">
+              <a:spcBef>
+                <a:spcPts val="200"/>
+              </a:spcBef>
+              <a:buNone/>
+            </a:pPr>
+            <a:r>
+              <a:rPr lang="pl-PL" sz="800" dirty="0">
+                <a:latin typeface="Consolas" panose="020B0609020204030204" pitchFamily="49" charset="0"/>
+                <a:cs typeface="Consolas" panose="020B0609020204030204" pitchFamily="49" charset="0"/>
+              </a:rPr>
+              <a:t>    &lt;</a:t>
+            </a:r>
+            <a:r>
+              <a:rPr lang="pl-PL" sz="800" dirty="0" err="1">
+                <a:latin typeface="Consolas" panose="020B0609020204030204" pitchFamily="49" charset="0"/>
+                <a:cs typeface="Consolas" panose="020B0609020204030204" pitchFamily="49" charset="0"/>
+              </a:rPr>
+              <a:t>Logger</a:t>
+            </a:r>
+            <a:r>
+              <a:rPr lang="pl-PL" sz="800" dirty="0">
+                <a:latin typeface="Consolas" panose="020B0609020204030204" pitchFamily="49" charset="0"/>
+                <a:cs typeface="Consolas" panose="020B0609020204030204" pitchFamily="49" charset="0"/>
+              </a:rPr>
+              <a:t> </a:t>
+            </a:r>
+            <a:r>
+              <a:rPr lang="pl-PL" sz="800" dirty="0" err="1">
+                <a:latin typeface="Consolas" panose="020B0609020204030204" pitchFamily="49" charset="0"/>
+                <a:cs typeface="Consolas" panose="020B0609020204030204" pitchFamily="49" charset="0"/>
+              </a:rPr>
+              <a:t>name</a:t>
+            </a:r>
+            <a:r>
+              <a:rPr lang="pl-PL" sz="800" dirty="0">
+                <a:latin typeface="Consolas" panose="020B0609020204030204" pitchFamily="49" charset="0"/>
+                <a:cs typeface="Consolas" panose="020B0609020204030204" pitchFamily="49" charset="0"/>
+              </a:rPr>
+              <a:t>="</a:t>
+            </a:r>
+            <a:r>
+              <a:rPr lang="pl-PL" sz="800" dirty="0" err="1">
+                <a:latin typeface="Consolas" panose="020B0609020204030204" pitchFamily="49" charset="0"/>
+                <a:cs typeface="Consolas" panose="020B0609020204030204" pitchFamily="49" charset="0"/>
+              </a:rPr>
+              <a:t>org.springframework</a:t>
+            </a:r>
+            <a:r>
+              <a:rPr lang="pl-PL" sz="800" dirty="0">
+                <a:latin typeface="Consolas" panose="020B0609020204030204" pitchFamily="49" charset="0"/>
+                <a:cs typeface="Consolas" panose="020B0609020204030204" pitchFamily="49" charset="0"/>
+              </a:rPr>
+              <a:t>" </a:t>
+            </a:r>
+            <a:r>
+              <a:rPr lang="pl-PL" sz="800" dirty="0" err="1">
+                <a:latin typeface="Consolas" panose="020B0609020204030204" pitchFamily="49" charset="0"/>
+                <a:cs typeface="Consolas" panose="020B0609020204030204" pitchFamily="49" charset="0"/>
+              </a:rPr>
+              <a:t>level</a:t>
+            </a:r>
+            <a:r>
+              <a:rPr lang="pl-PL" sz="800" dirty="0">
+                <a:latin typeface="Consolas" panose="020B0609020204030204" pitchFamily="49" charset="0"/>
+                <a:cs typeface="Consolas" panose="020B0609020204030204" pitchFamily="49" charset="0"/>
+              </a:rPr>
+              <a:t>="info" </a:t>
+            </a:r>
+            <a:r>
+              <a:rPr lang="pl-PL" sz="800" dirty="0" err="1">
+                <a:latin typeface="Consolas" panose="020B0609020204030204" pitchFamily="49" charset="0"/>
+                <a:cs typeface="Consolas" panose="020B0609020204030204" pitchFamily="49" charset="0"/>
+              </a:rPr>
+              <a:t>additivity</a:t>
+            </a:r>
+            <a:r>
+              <a:rPr lang="pl-PL" sz="800" dirty="0">
+                <a:latin typeface="Consolas" panose="020B0609020204030204" pitchFamily="49" charset="0"/>
+                <a:cs typeface="Consolas" panose="020B0609020204030204" pitchFamily="49" charset="0"/>
+              </a:rPr>
+              <a:t>="</a:t>
+            </a:r>
+            <a:r>
+              <a:rPr lang="pl-PL" sz="800" dirty="0" err="1">
+                <a:latin typeface="Consolas" panose="020B0609020204030204" pitchFamily="49" charset="0"/>
+                <a:cs typeface="Consolas" panose="020B0609020204030204" pitchFamily="49" charset="0"/>
+              </a:rPr>
+              <a:t>false</a:t>
+            </a:r>
+            <a:r>
+              <a:rPr lang="pl-PL" sz="800" dirty="0">
+                <a:latin typeface="Consolas" panose="020B0609020204030204" pitchFamily="49" charset="0"/>
+                <a:cs typeface="Consolas" panose="020B0609020204030204" pitchFamily="49" charset="0"/>
+              </a:rPr>
+              <a:t>" /&gt;</a:t>
+            </a:r>
+          </a:p>
+          <a:p>
+            <a:pPr marL="0" indent="0">
+              <a:spcBef>
+                <a:spcPts val="200"/>
+              </a:spcBef>
+              <a:buNone/>
+            </a:pPr>
+            <a:endParaRPr lang="pl-PL" sz="800" dirty="0">
+              <a:latin typeface="Consolas" panose="020B0609020204030204" pitchFamily="49" charset="0"/>
+              <a:cs typeface="Consolas" panose="020B0609020204030204" pitchFamily="49" charset="0"/>
+            </a:endParaRPr>
+          </a:p>
+          <a:p>
+            <a:pPr marL="0" indent="0">
+              <a:spcBef>
+                <a:spcPts val="200"/>
+              </a:spcBef>
+              <a:buNone/>
+            </a:pPr>
+            <a:r>
+              <a:rPr lang="pl-PL" sz="800" dirty="0">
+                <a:latin typeface="Consolas" panose="020B0609020204030204" pitchFamily="49" charset="0"/>
+                <a:cs typeface="Consolas" panose="020B0609020204030204" pitchFamily="49" charset="0"/>
+              </a:rPr>
+              <a:t>    &lt;!--</a:t>
+            </a:r>
+          </a:p>
+          <a:p>
+            <a:pPr marL="0" indent="0">
+              <a:spcBef>
+                <a:spcPts val="200"/>
+              </a:spcBef>
+              <a:buNone/>
+            </a:pPr>
+            <a:r>
+              <a:rPr lang="pl-PL" sz="800" dirty="0">
+                <a:latin typeface="Consolas" panose="020B0609020204030204" pitchFamily="49" charset="0"/>
+                <a:cs typeface="Consolas" panose="020B0609020204030204" pitchFamily="49" charset="0"/>
+              </a:rPr>
+              <a:t>        Przykład filtrowania: dla </a:t>
+            </a:r>
+            <a:r>
+              <a:rPr lang="pl-PL" sz="800" dirty="0" err="1">
+                <a:latin typeface="Consolas" panose="020B0609020204030204" pitchFamily="49" charset="0"/>
+                <a:cs typeface="Consolas" panose="020B0609020204030204" pitchFamily="49" charset="0"/>
+              </a:rPr>
+              <a:t>loggerów</a:t>
+            </a:r>
+            <a:r>
+              <a:rPr lang="pl-PL" sz="800" dirty="0">
+                <a:latin typeface="Consolas" panose="020B0609020204030204" pitchFamily="49" charset="0"/>
+                <a:cs typeface="Consolas" panose="020B0609020204030204" pitchFamily="49" charset="0"/>
+              </a:rPr>
+              <a:t>, których nazwy zaczynają się od '</a:t>
+            </a:r>
+            <a:r>
+              <a:rPr lang="pl-PL" sz="800" dirty="0" err="1">
+                <a:latin typeface="Consolas" panose="020B0609020204030204" pitchFamily="49" charset="0"/>
+                <a:cs typeface="Consolas" panose="020B0609020204030204" pitchFamily="49" charset="0"/>
+              </a:rPr>
+              <a:t>com.mycompany.myproduct</a:t>
+            </a:r>
+            <a:r>
+              <a:rPr lang="pl-PL" sz="800" dirty="0">
+                <a:latin typeface="Consolas" panose="020B0609020204030204" pitchFamily="49" charset="0"/>
+                <a:cs typeface="Consolas" panose="020B0609020204030204" pitchFamily="49" charset="0"/>
+              </a:rPr>
+              <a:t>' loguj wiadomości o poziomie "</a:t>
+            </a:r>
+            <a:r>
+              <a:rPr lang="pl-PL" sz="800" dirty="0" err="1">
+                <a:latin typeface="Consolas" panose="020B0609020204030204" pitchFamily="49" charset="0"/>
+                <a:cs typeface="Consolas" panose="020B0609020204030204" pitchFamily="49" charset="0"/>
+              </a:rPr>
+              <a:t>debug</a:t>
+            </a:r>
+            <a:r>
+              <a:rPr lang="pl-PL" sz="800" dirty="0">
+                <a:latin typeface="Consolas" panose="020B0609020204030204" pitchFamily="49" charset="0"/>
+                <a:cs typeface="Consolas" panose="020B0609020204030204" pitchFamily="49" charset="0"/>
+              </a:rPr>
+              <a:t>" lub wyższej, których </a:t>
+            </a:r>
+            <a:r>
+              <a:rPr lang="pl-PL" sz="800" dirty="0" err="1">
+                <a:latin typeface="Consolas" panose="020B0609020204030204" pitchFamily="49" charset="0"/>
+                <a:cs typeface="Consolas" panose="020B0609020204030204" pitchFamily="49" charset="0"/>
+              </a:rPr>
+              <a:t>ThreadContextMap</a:t>
+            </a:r>
+            <a:r>
+              <a:rPr lang="pl-PL" sz="800" dirty="0">
+                <a:latin typeface="Consolas" panose="020B0609020204030204" pitchFamily="49" charset="0"/>
+                <a:cs typeface="Consolas" panose="020B0609020204030204" pitchFamily="49" charset="0"/>
+              </a:rPr>
+              <a:t> posiada parę klucz-wartość "test=123", wysyłaj również te logi do </a:t>
+            </a:r>
+            <a:r>
+              <a:rPr lang="pl-PL" sz="800" dirty="0" err="1">
+                <a:latin typeface="Consolas" panose="020B0609020204030204" pitchFamily="49" charset="0"/>
+                <a:cs typeface="Consolas" panose="020B0609020204030204" pitchFamily="49" charset="0"/>
+              </a:rPr>
+              <a:t>appendera</a:t>
+            </a:r>
+            <a:r>
+              <a:rPr lang="pl-PL" sz="800" dirty="0">
+                <a:latin typeface="Consolas" panose="020B0609020204030204" pitchFamily="49" charset="0"/>
+                <a:cs typeface="Consolas" panose="020B0609020204030204" pitchFamily="49" charset="0"/>
+              </a:rPr>
+              <a:t> "STDOUT„</a:t>
+            </a:r>
+          </a:p>
+          <a:p>
+            <a:pPr marL="0" indent="0">
+              <a:spcBef>
+                <a:spcPts val="200"/>
+              </a:spcBef>
+              <a:buNone/>
+            </a:pPr>
+            <a:r>
+              <a:rPr lang="pl-PL" sz="800" dirty="0">
+                <a:latin typeface="Consolas" panose="020B0609020204030204" pitchFamily="49" charset="0"/>
+                <a:cs typeface="Consolas" panose="020B0609020204030204" pitchFamily="49" charset="0"/>
+              </a:rPr>
+              <a:t>    --&gt;</a:t>
+            </a:r>
+          </a:p>
+          <a:p>
+            <a:pPr marL="0" indent="0">
+              <a:spcBef>
+                <a:spcPts val="200"/>
+              </a:spcBef>
+              <a:buNone/>
+            </a:pPr>
+            <a:r>
+              <a:rPr lang="pl-PL" sz="800" dirty="0">
+                <a:latin typeface="Consolas" panose="020B0609020204030204" pitchFamily="49" charset="0"/>
+                <a:cs typeface="Consolas" panose="020B0609020204030204" pitchFamily="49" charset="0"/>
+              </a:rPr>
+              <a:t>    &lt;</a:t>
+            </a:r>
+            <a:r>
+              <a:rPr lang="pl-PL" sz="800" dirty="0" err="1">
+                <a:latin typeface="Consolas" panose="020B0609020204030204" pitchFamily="49" charset="0"/>
+                <a:cs typeface="Consolas" panose="020B0609020204030204" pitchFamily="49" charset="0"/>
+              </a:rPr>
+              <a:t>Logger</a:t>
+            </a:r>
+            <a:r>
+              <a:rPr lang="pl-PL" sz="800" dirty="0">
+                <a:latin typeface="Consolas" panose="020B0609020204030204" pitchFamily="49" charset="0"/>
+                <a:cs typeface="Consolas" panose="020B0609020204030204" pitchFamily="49" charset="0"/>
+              </a:rPr>
+              <a:t> </a:t>
+            </a:r>
+            <a:r>
+              <a:rPr lang="pl-PL" sz="800" dirty="0" err="1">
+                <a:latin typeface="Consolas" panose="020B0609020204030204" pitchFamily="49" charset="0"/>
+                <a:cs typeface="Consolas" panose="020B0609020204030204" pitchFamily="49" charset="0"/>
+              </a:rPr>
+              <a:t>name</a:t>
+            </a:r>
+            <a:r>
+              <a:rPr lang="pl-PL" sz="800" dirty="0">
+                <a:latin typeface="Consolas" panose="020B0609020204030204" pitchFamily="49" charset="0"/>
+                <a:cs typeface="Consolas" panose="020B0609020204030204" pitchFamily="49" charset="0"/>
+              </a:rPr>
+              <a:t>="</a:t>
+            </a:r>
+            <a:r>
+              <a:rPr lang="pl-PL" sz="800" dirty="0" err="1">
+                <a:latin typeface="Consolas" panose="020B0609020204030204" pitchFamily="49" charset="0"/>
+                <a:cs typeface="Consolas" panose="020B0609020204030204" pitchFamily="49" charset="0"/>
+              </a:rPr>
+              <a:t>com.mycompany.myproduct</a:t>
+            </a:r>
+            <a:r>
+              <a:rPr lang="pl-PL" sz="800" dirty="0">
+                <a:latin typeface="Consolas" panose="020B0609020204030204" pitchFamily="49" charset="0"/>
+                <a:cs typeface="Consolas" panose="020B0609020204030204" pitchFamily="49" charset="0"/>
+              </a:rPr>
+              <a:t>" </a:t>
+            </a:r>
+            <a:r>
+              <a:rPr lang="pl-PL" sz="800" dirty="0" err="1">
+                <a:latin typeface="Consolas" panose="020B0609020204030204" pitchFamily="49" charset="0"/>
+                <a:cs typeface="Consolas" panose="020B0609020204030204" pitchFamily="49" charset="0"/>
+              </a:rPr>
+              <a:t>level</a:t>
+            </a:r>
+            <a:r>
+              <a:rPr lang="pl-PL" sz="800" dirty="0">
+                <a:latin typeface="Consolas" panose="020B0609020204030204" pitchFamily="49" charset="0"/>
+                <a:cs typeface="Consolas" panose="020B0609020204030204" pitchFamily="49" charset="0"/>
+              </a:rPr>
+              <a:t>="</a:t>
+            </a:r>
+            <a:r>
+              <a:rPr lang="pl-PL" sz="800" dirty="0" err="1">
+                <a:latin typeface="Consolas" panose="020B0609020204030204" pitchFamily="49" charset="0"/>
+                <a:cs typeface="Consolas" panose="020B0609020204030204" pitchFamily="49" charset="0"/>
+              </a:rPr>
+              <a:t>debug</a:t>
+            </a:r>
+            <a:r>
+              <a:rPr lang="pl-PL" sz="800" dirty="0">
+                <a:latin typeface="Consolas" panose="020B0609020204030204" pitchFamily="49" charset="0"/>
+                <a:cs typeface="Consolas" panose="020B0609020204030204" pitchFamily="49" charset="0"/>
+              </a:rPr>
+              <a:t>" </a:t>
+            </a:r>
+            <a:r>
+              <a:rPr lang="pl-PL" sz="800" dirty="0" err="1">
+                <a:latin typeface="Consolas" panose="020B0609020204030204" pitchFamily="49" charset="0"/>
+                <a:cs typeface="Consolas" panose="020B0609020204030204" pitchFamily="49" charset="0"/>
+              </a:rPr>
+              <a:t>additivity</a:t>
+            </a:r>
+            <a:r>
+              <a:rPr lang="pl-PL" sz="800" dirty="0">
+                <a:latin typeface="Consolas" panose="020B0609020204030204" pitchFamily="49" charset="0"/>
+                <a:cs typeface="Consolas" panose="020B0609020204030204" pitchFamily="49" charset="0"/>
+              </a:rPr>
+              <a:t>="</a:t>
+            </a:r>
+            <a:r>
+              <a:rPr lang="pl-PL" sz="800" dirty="0" err="1">
+                <a:latin typeface="Consolas" panose="020B0609020204030204" pitchFamily="49" charset="0"/>
+                <a:cs typeface="Consolas" panose="020B0609020204030204" pitchFamily="49" charset="0"/>
+              </a:rPr>
+              <a:t>true</a:t>
+            </a:r>
+            <a:r>
+              <a:rPr lang="pl-PL" sz="800" dirty="0">
+                <a:latin typeface="Consolas" panose="020B0609020204030204" pitchFamily="49" charset="0"/>
+                <a:cs typeface="Consolas" panose="020B0609020204030204" pitchFamily="49" charset="0"/>
+              </a:rPr>
+              <a:t>"&gt;</a:t>
+            </a:r>
+          </a:p>
+          <a:p>
+            <a:pPr marL="0" indent="0">
+              <a:spcBef>
+                <a:spcPts val="200"/>
+              </a:spcBef>
+              <a:buNone/>
+            </a:pPr>
+            <a:r>
+              <a:rPr lang="pl-PL" sz="800" dirty="0">
+                <a:latin typeface="Consolas" panose="020B0609020204030204" pitchFamily="49" charset="0"/>
+                <a:cs typeface="Consolas" panose="020B0609020204030204" pitchFamily="49" charset="0"/>
+              </a:rPr>
+              <a:t>      &lt;</a:t>
+            </a:r>
+            <a:r>
+              <a:rPr lang="pl-PL" sz="800" dirty="0" err="1">
+                <a:latin typeface="Consolas" panose="020B0609020204030204" pitchFamily="49" charset="0"/>
+                <a:cs typeface="Consolas" panose="020B0609020204030204" pitchFamily="49" charset="0"/>
+              </a:rPr>
+              <a:t>ThreadContextMapFilter</a:t>
+            </a:r>
+            <a:r>
+              <a:rPr lang="pl-PL" sz="800" dirty="0">
+                <a:latin typeface="Consolas" panose="020B0609020204030204" pitchFamily="49" charset="0"/>
+                <a:cs typeface="Consolas" panose="020B0609020204030204" pitchFamily="49" charset="0"/>
+              </a:rPr>
+              <a:t>&gt;</a:t>
+            </a:r>
+          </a:p>
+          <a:p>
+            <a:pPr marL="0" indent="0">
+              <a:spcBef>
+                <a:spcPts val="200"/>
+              </a:spcBef>
+              <a:buNone/>
+            </a:pPr>
+            <a:r>
+              <a:rPr lang="pl-PL" sz="800" dirty="0">
+                <a:latin typeface="Consolas" panose="020B0609020204030204" pitchFamily="49" charset="0"/>
+                <a:cs typeface="Consolas" panose="020B0609020204030204" pitchFamily="49" charset="0"/>
+              </a:rPr>
+              <a:t>        &lt;</a:t>
+            </a:r>
+            <a:r>
+              <a:rPr lang="pl-PL" sz="800" dirty="0" err="1">
+                <a:latin typeface="Consolas" panose="020B0609020204030204" pitchFamily="49" charset="0"/>
+                <a:cs typeface="Consolas" panose="020B0609020204030204" pitchFamily="49" charset="0"/>
+              </a:rPr>
+              <a:t>KeyValuePair</a:t>
+            </a:r>
+            <a:r>
+              <a:rPr lang="pl-PL" sz="800" dirty="0">
+                <a:latin typeface="Consolas" panose="020B0609020204030204" pitchFamily="49" charset="0"/>
+                <a:cs typeface="Consolas" panose="020B0609020204030204" pitchFamily="49" charset="0"/>
+              </a:rPr>
+              <a:t> </a:t>
+            </a:r>
+            <a:r>
+              <a:rPr lang="pl-PL" sz="800" dirty="0" err="1">
+                <a:latin typeface="Consolas" panose="020B0609020204030204" pitchFamily="49" charset="0"/>
+                <a:cs typeface="Consolas" panose="020B0609020204030204" pitchFamily="49" charset="0"/>
+              </a:rPr>
+              <a:t>key</a:t>
+            </a:r>
+            <a:r>
+              <a:rPr lang="pl-PL" sz="800" dirty="0">
+                <a:latin typeface="Consolas" panose="020B0609020204030204" pitchFamily="49" charset="0"/>
+                <a:cs typeface="Consolas" panose="020B0609020204030204" pitchFamily="49" charset="0"/>
+              </a:rPr>
+              <a:t>="test" </a:t>
+            </a:r>
+            <a:r>
+              <a:rPr lang="pl-PL" sz="800" dirty="0" err="1">
+                <a:latin typeface="Consolas" panose="020B0609020204030204" pitchFamily="49" charset="0"/>
+                <a:cs typeface="Consolas" panose="020B0609020204030204" pitchFamily="49" charset="0"/>
+              </a:rPr>
+              <a:t>value</a:t>
+            </a:r>
+            <a:r>
+              <a:rPr lang="pl-PL" sz="800" dirty="0">
+                <a:latin typeface="Consolas" panose="020B0609020204030204" pitchFamily="49" charset="0"/>
+                <a:cs typeface="Consolas" panose="020B0609020204030204" pitchFamily="49" charset="0"/>
+              </a:rPr>
+              <a:t>="123"/&gt;</a:t>
+            </a:r>
+          </a:p>
+          <a:p>
+            <a:pPr marL="0" indent="0">
+              <a:spcBef>
+                <a:spcPts val="200"/>
+              </a:spcBef>
+              <a:buNone/>
+            </a:pPr>
+            <a:r>
+              <a:rPr lang="pl-PL" sz="800" dirty="0">
+                <a:latin typeface="Consolas" panose="020B0609020204030204" pitchFamily="49" charset="0"/>
+                <a:cs typeface="Consolas" panose="020B0609020204030204" pitchFamily="49" charset="0"/>
+              </a:rPr>
+              <a:t>      &lt;/</a:t>
+            </a:r>
+            <a:r>
+              <a:rPr lang="pl-PL" sz="800" dirty="0" err="1">
+                <a:latin typeface="Consolas" panose="020B0609020204030204" pitchFamily="49" charset="0"/>
+                <a:cs typeface="Consolas" panose="020B0609020204030204" pitchFamily="49" charset="0"/>
+              </a:rPr>
+              <a:t>ThreadContextMapFilter</a:t>
+            </a:r>
+            <a:r>
+              <a:rPr lang="pl-PL" sz="800" dirty="0">
+                <a:latin typeface="Consolas" panose="020B0609020204030204" pitchFamily="49" charset="0"/>
+                <a:cs typeface="Consolas" panose="020B0609020204030204" pitchFamily="49" charset="0"/>
+              </a:rPr>
+              <a:t>&gt;</a:t>
+            </a:r>
+          </a:p>
+          <a:p>
+            <a:pPr marL="0" indent="0">
+              <a:spcBef>
+                <a:spcPts val="200"/>
+              </a:spcBef>
+              <a:buNone/>
+            </a:pPr>
+            <a:r>
+              <a:rPr lang="pl-PL" sz="800" dirty="0">
+                <a:latin typeface="Consolas" panose="020B0609020204030204" pitchFamily="49" charset="0"/>
+                <a:cs typeface="Consolas" panose="020B0609020204030204" pitchFamily="49" charset="0"/>
+              </a:rPr>
+              <a:t>      &lt;</a:t>
+            </a:r>
+            <a:r>
+              <a:rPr lang="pl-PL" sz="800" dirty="0" err="1">
+                <a:latin typeface="Consolas" panose="020B0609020204030204" pitchFamily="49" charset="0"/>
+                <a:cs typeface="Consolas" panose="020B0609020204030204" pitchFamily="49" charset="0"/>
+              </a:rPr>
+              <a:t>AppenderRef</a:t>
+            </a:r>
+            <a:r>
+              <a:rPr lang="pl-PL" sz="800" dirty="0">
+                <a:latin typeface="Consolas" panose="020B0609020204030204" pitchFamily="49" charset="0"/>
+                <a:cs typeface="Consolas" panose="020B0609020204030204" pitchFamily="49" charset="0"/>
+              </a:rPr>
+              <a:t> ref="STDOUT"/&gt;</a:t>
+            </a:r>
+          </a:p>
+          <a:p>
+            <a:pPr marL="0" indent="0">
+              <a:spcBef>
+                <a:spcPts val="200"/>
+              </a:spcBef>
+              <a:buNone/>
+            </a:pPr>
+            <a:r>
+              <a:rPr lang="pl-PL" sz="800" dirty="0">
+                <a:latin typeface="Consolas" panose="020B0609020204030204" pitchFamily="49" charset="0"/>
+                <a:cs typeface="Consolas" panose="020B0609020204030204" pitchFamily="49" charset="0"/>
+              </a:rPr>
+              <a:t>    &lt;/</a:t>
+            </a:r>
+            <a:r>
+              <a:rPr lang="pl-PL" sz="800" dirty="0" err="1">
+                <a:latin typeface="Consolas" panose="020B0609020204030204" pitchFamily="49" charset="0"/>
+                <a:cs typeface="Consolas" panose="020B0609020204030204" pitchFamily="49" charset="0"/>
+              </a:rPr>
+              <a:t>Logger</a:t>
+            </a:r>
+            <a:r>
+              <a:rPr lang="pl-PL" sz="800" dirty="0">
+                <a:latin typeface="Consolas" panose="020B0609020204030204" pitchFamily="49" charset="0"/>
+                <a:cs typeface="Consolas" panose="020B0609020204030204" pitchFamily="49" charset="0"/>
+              </a:rPr>
+              <a:t>&gt;</a:t>
+            </a:r>
+          </a:p>
+          <a:p>
+            <a:pPr marL="0" indent="0">
+              <a:spcBef>
+                <a:spcPts val="200"/>
+              </a:spcBef>
+              <a:buNone/>
+            </a:pPr>
+            <a:r>
+              <a:rPr lang="pl-PL" sz="800" dirty="0">
+                <a:latin typeface="Consolas" panose="020B0609020204030204" pitchFamily="49" charset="0"/>
+                <a:cs typeface="Consolas" panose="020B0609020204030204" pitchFamily="49" charset="0"/>
+              </a:rPr>
+              <a:t> </a:t>
+            </a:r>
+          </a:p>
+          <a:p>
+            <a:pPr marL="0" indent="0">
+              <a:spcBef>
+                <a:spcPts val="200"/>
+              </a:spcBef>
+              <a:buNone/>
+            </a:pPr>
+            <a:r>
+              <a:rPr lang="pl-PL" sz="800" dirty="0">
+                <a:latin typeface="Consolas" panose="020B0609020204030204" pitchFamily="49" charset="0"/>
+                <a:cs typeface="Consolas" panose="020B0609020204030204" pitchFamily="49" charset="0"/>
+              </a:rPr>
+              <a:t>    &lt;!--</a:t>
+            </a:r>
+          </a:p>
+          <a:p>
+            <a:pPr marL="0" indent="0">
+              <a:spcBef>
+                <a:spcPts val="200"/>
+              </a:spcBef>
+              <a:buNone/>
+            </a:pPr>
+            <a:r>
+              <a:rPr lang="pl-PL" sz="800" dirty="0">
+                <a:latin typeface="Consolas" panose="020B0609020204030204" pitchFamily="49" charset="0"/>
+                <a:cs typeface="Consolas" panose="020B0609020204030204" pitchFamily="49" charset="0"/>
+              </a:rPr>
+              <a:t>        Wszystkie logi o poziomie "</a:t>
+            </a:r>
+            <a:r>
+              <a:rPr lang="pl-PL" sz="800" dirty="0" err="1">
+                <a:latin typeface="Consolas" panose="020B0609020204030204" pitchFamily="49" charset="0"/>
+                <a:cs typeface="Consolas" panose="020B0609020204030204" pitchFamily="49" charset="0"/>
+              </a:rPr>
+              <a:t>trace</a:t>
+            </a:r>
+            <a:r>
+              <a:rPr lang="pl-PL" sz="800" dirty="0">
+                <a:latin typeface="Consolas" panose="020B0609020204030204" pitchFamily="49" charset="0"/>
+                <a:cs typeface="Consolas" panose="020B0609020204030204" pitchFamily="49" charset="0"/>
+              </a:rPr>
+              <a:t>" lub wyższym będą logowane. Logi będą wysyłane do </a:t>
+            </a:r>
+            <a:r>
+              <a:rPr lang="pl-PL" sz="800" dirty="0" err="1">
+                <a:latin typeface="Consolas" panose="020B0609020204030204" pitchFamily="49" charset="0"/>
+                <a:cs typeface="Consolas" panose="020B0609020204030204" pitchFamily="49" charset="0"/>
+              </a:rPr>
+              <a:t>appendera</a:t>
+            </a:r>
+            <a:r>
+              <a:rPr lang="pl-PL" sz="800" dirty="0">
+                <a:latin typeface="Consolas" panose="020B0609020204030204" pitchFamily="49" charset="0"/>
+                <a:cs typeface="Consolas" panose="020B0609020204030204" pitchFamily="49" charset="0"/>
+              </a:rPr>
+              <a:t> "file", logi o poziomie "error" lub wyższym będą wysyłane do </a:t>
+            </a:r>
+            <a:r>
+              <a:rPr lang="pl-PL" sz="800" dirty="0" err="1">
+                <a:latin typeface="Consolas" panose="020B0609020204030204" pitchFamily="49" charset="0"/>
+                <a:cs typeface="Consolas" panose="020B0609020204030204" pitchFamily="49" charset="0"/>
+              </a:rPr>
+              <a:t>appendera</a:t>
+            </a:r>
+            <a:r>
+              <a:rPr lang="pl-PL" sz="800" dirty="0">
+                <a:latin typeface="Consolas" panose="020B0609020204030204" pitchFamily="49" charset="0"/>
+                <a:cs typeface="Consolas" panose="020B0609020204030204" pitchFamily="49" charset="0"/>
+              </a:rPr>
+              <a:t> "STDOUT" .</a:t>
+            </a:r>
+          </a:p>
+          <a:p>
+            <a:pPr marL="0" indent="0">
+              <a:spcBef>
+                <a:spcPts val="200"/>
+              </a:spcBef>
+              <a:buNone/>
+            </a:pPr>
+            <a:r>
+              <a:rPr lang="pl-PL" sz="800" dirty="0">
+                <a:latin typeface="Consolas" panose="020B0609020204030204" pitchFamily="49" charset="0"/>
+                <a:cs typeface="Consolas" panose="020B0609020204030204" pitchFamily="49" charset="0"/>
+              </a:rPr>
+              <a:t>    --&gt;</a:t>
+            </a:r>
+          </a:p>
+          <a:p>
+            <a:pPr marL="0" indent="0">
+              <a:spcBef>
+                <a:spcPts val="200"/>
+              </a:spcBef>
+              <a:buNone/>
+            </a:pPr>
+            <a:r>
+              <a:rPr lang="pl-PL" sz="800" dirty="0">
+                <a:latin typeface="Consolas" panose="020B0609020204030204" pitchFamily="49" charset="0"/>
+                <a:cs typeface="Consolas" panose="020B0609020204030204" pitchFamily="49" charset="0"/>
+              </a:rPr>
+              <a:t>    &lt;Root </a:t>
+            </a:r>
+            <a:r>
+              <a:rPr lang="pl-PL" sz="800" dirty="0" err="1">
+                <a:latin typeface="Consolas" panose="020B0609020204030204" pitchFamily="49" charset="0"/>
+                <a:cs typeface="Consolas" panose="020B0609020204030204" pitchFamily="49" charset="0"/>
+              </a:rPr>
+              <a:t>level</a:t>
+            </a:r>
+            <a:r>
+              <a:rPr lang="pl-PL" sz="800" dirty="0">
+                <a:latin typeface="Consolas" panose="020B0609020204030204" pitchFamily="49" charset="0"/>
+                <a:cs typeface="Consolas" panose="020B0609020204030204" pitchFamily="49" charset="0"/>
+              </a:rPr>
+              <a:t>="</a:t>
+            </a:r>
+            <a:r>
+              <a:rPr lang="pl-PL" sz="800" dirty="0" err="1">
+                <a:latin typeface="Consolas" panose="020B0609020204030204" pitchFamily="49" charset="0"/>
+                <a:cs typeface="Consolas" panose="020B0609020204030204" pitchFamily="49" charset="0"/>
+              </a:rPr>
+              <a:t>trace</a:t>
+            </a:r>
+            <a:r>
+              <a:rPr lang="pl-PL" sz="800" dirty="0">
+                <a:latin typeface="Consolas" panose="020B0609020204030204" pitchFamily="49" charset="0"/>
+                <a:cs typeface="Consolas" panose="020B0609020204030204" pitchFamily="49" charset="0"/>
+              </a:rPr>
+              <a:t>"&gt;</a:t>
+            </a:r>
+          </a:p>
+          <a:p>
+            <a:pPr marL="0" indent="0">
+              <a:spcBef>
+                <a:spcPts val="200"/>
+              </a:spcBef>
+              <a:buNone/>
+            </a:pPr>
+            <a:r>
+              <a:rPr lang="pl-PL" sz="800" dirty="0">
+                <a:latin typeface="Consolas" panose="020B0609020204030204" pitchFamily="49" charset="0"/>
+                <a:cs typeface="Consolas" panose="020B0609020204030204" pitchFamily="49" charset="0"/>
+              </a:rPr>
+              <a:t>      &lt;</a:t>
+            </a:r>
+            <a:r>
+              <a:rPr lang="pl-PL" sz="800" dirty="0" err="1">
+                <a:latin typeface="Consolas" panose="020B0609020204030204" pitchFamily="49" charset="0"/>
+                <a:cs typeface="Consolas" panose="020B0609020204030204" pitchFamily="49" charset="0"/>
+              </a:rPr>
+              <a:t>AppenderRef</a:t>
+            </a:r>
+            <a:r>
+              <a:rPr lang="pl-PL" sz="800" dirty="0">
+                <a:latin typeface="Consolas" panose="020B0609020204030204" pitchFamily="49" charset="0"/>
+                <a:cs typeface="Consolas" panose="020B0609020204030204" pitchFamily="49" charset="0"/>
+              </a:rPr>
+              <a:t> ref="file"/&gt;</a:t>
+            </a:r>
+          </a:p>
+          <a:p>
+            <a:pPr marL="0" indent="0">
+              <a:spcBef>
+                <a:spcPts val="200"/>
+              </a:spcBef>
+              <a:buNone/>
+            </a:pPr>
+            <a:r>
+              <a:rPr lang="pl-PL" sz="800" dirty="0">
+                <a:latin typeface="Consolas" panose="020B0609020204030204" pitchFamily="49" charset="0"/>
+                <a:cs typeface="Consolas" panose="020B0609020204030204" pitchFamily="49" charset="0"/>
+              </a:rPr>
+              <a:t>      &lt;</a:t>
+            </a:r>
+            <a:r>
+              <a:rPr lang="pl-PL" sz="800" dirty="0" err="1">
+                <a:latin typeface="Consolas" panose="020B0609020204030204" pitchFamily="49" charset="0"/>
+                <a:cs typeface="Consolas" panose="020B0609020204030204" pitchFamily="49" charset="0"/>
+              </a:rPr>
+              <a:t>AppenderRef</a:t>
+            </a:r>
+            <a:r>
+              <a:rPr lang="pl-PL" sz="800" dirty="0">
+                <a:latin typeface="Consolas" panose="020B0609020204030204" pitchFamily="49" charset="0"/>
+                <a:cs typeface="Consolas" panose="020B0609020204030204" pitchFamily="49" charset="0"/>
+              </a:rPr>
+              <a:t> ref="STDOUT" </a:t>
+            </a:r>
+            <a:r>
+              <a:rPr lang="pl-PL" sz="800" dirty="0" err="1">
+                <a:latin typeface="Consolas" panose="020B0609020204030204" pitchFamily="49" charset="0"/>
+                <a:cs typeface="Consolas" panose="020B0609020204030204" pitchFamily="49" charset="0"/>
+              </a:rPr>
+              <a:t>level</a:t>
+            </a:r>
+            <a:r>
+              <a:rPr lang="pl-PL" sz="800" dirty="0">
+                <a:latin typeface="Consolas" panose="020B0609020204030204" pitchFamily="49" charset="0"/>
+                <a:cs typeface="Consolas" panose="020B0609020204030204" pitchFamily="49" charset="0"/>
+              </a:rPr>
+              <a:t>="error"/&gt;</a:t>
+            </a:r>
+          </a:p>
+          <a:p>
+            <a:pPr marL="0" indent="0">
+              <a:spcBef>
+                <a:spcPts val="200"/>
+              </a:spcBef>
+              <a:buNone/>
+            </a:pPr>
+            <a:r>
+              <a:rPr lang="pl-PL" sz="800" dirty="0">
+                <a:latin typeface="Consolas" panose="020B0609020204030204" pitchFamily="49" charset="0"/>
+                <a:cs typeface="Consolas" panose="020B0609020204030204" pitchFamily="49" charset="0"/>
+              </a:rPr>
+              <a:t>    &lt;/Root&gt;</a:t>
+            </a:r>
+          </a:p>
+          <a:p>
+            <a:pPr marL="0" indent="0">
+              <a:spcBef>
+                <a:spcPts val="200"/>
+              </a:spcBef>
+              <a:buNone/>
+            </a:pPr>
+            <a:r>
+              <a:rPr lang="pl-PL" sz="800" dirty="0">
+                <a:latin typeface="Consolas" panose="020B0609020204030204" pitchFamily="49" charset="0"/>
+                <a:cs typeface="Consolas" panose="020B0609020204030204" pitchFamily="49" charset="0"/>
+              </a:rPr>
+              <a:t>  &lt;/</a:t>
+            </a:r>
+            <a:r>
+              <a:rPr lang="pl-PL" sz="800" dirty="0" err="1">
+                <a:latin typeface="Consolas" panose="020B0609020204030204" pitchFamily="49" charset="0"/>
+                <a:cs typeface="Consolas" panose="020B0609020204030204" pitchFamily="49" charset="0"/>
+              </a:rPr>
+              <a:t>Loggers</a:t>
+            </a:r>
+            <a:r>
+              <a:rPr lang="pl-PL" sz="800" dirty="0">
+                <a:latin typeface="Consolas" panose="020B0609020204030204" pitchFamily="49" charset="0"/>
+                <a:cs typeface="Consolas" panose="020B0609020204030204" pitchFamily="49" charset="0"/>
+              </a:rPr>
+              <a:t>&gt;</a:t>
+            </a:r>
+          </a:p>
+          <a:p>
+            <a:pPr marL="0" indent="0">
+              <a:spcBef>
+                <a:spcPts val="200"/>
+              </a:spcBef>
+              <a:buNone/>
+            </a:pPr>
+            <a:r>
+              <a:rPr lang="pl-PL" sz="800" dirty="0">
+                <a:latin typeface="Consolas" panose="020B0609020204030204" pitchFamily="49" charset="0"/>
+                <a:cs typeface="Consolas" panose="020B0609020204030204" pitchFamily="49" charset="0"/>
+              </a:rPr>
+              <a:t>&lt;/</a:t>
+            </a:r>
+            <a:r>
+              <a:rPr lang="pl-PL" sz="800" dirty="0" err="1">
+                <a:latin typeface="Consolas" panose="020B0609020204030204" pitchFamily="49" charset="0"/>
+                <a:cs typeface="Consolas" panose="020B0609020204030204" pitchFamily="49" charset="0"/>
+              </a:rPr>
+              <a:t>Configuration</a:t>
+            </a:r>
+            <a:r>
+              <a:rPr lang="pl-PL" sz="800" dirty="0">
+                <a:latin typeface="Consolas" panose="020B0609020204030204" pitchFamily="49" charset="0"/>
+                <a:cs typeface="Consolas" panose="020B0609020204030204" pitchFamily="49" charset="0"/>
+              </a:rPr>
+              <a:t>&gt;</a:t>
+            </a:r>
+          </a:p>
+        </p:txBody>
+      </p:sp>
+    </p:spTree>
+    <p:extLst>
+      <p:ext uri="{BB962C8B-B14F-4D97-AF65-F5344CB8AC3E}">
+        <p14:creationId xmlns:p14="http://schemas.microsoft.com/office/powerpoint/2010/main" val="2184314493"/>
       </p:ext>
     </p:extLst>
   </p:cSld>
@@ -7013,6 +9761,15 @@
 </file>
 
 <file path=customXml/item2.xml><?xml version="1.0" encoding="utf-8"?>
+<?mso-contentType ?>
+<FormTemplates xmlns="http://schemas.microsoft.com/sharepoint/v3/contenttype/forms">
+  <Display>DocumentLibraryForm</Display>
+  <Edit>AssetEditForm</Edit>
+  <New>DocumentLibraryForm</New>
+</FormTemplates>
+</file>
+
+<file path=customXml/item3.xml><?xml version="1.0" encoding="utf-8"?>
 <ct:contentTypeSchema xmlns:ct="http://schemas.microsoft.com/office/2006/metadata/contentType" xmlns:ma="http://schemas.microsoft.com/office/2006/metadata/properties/metaAttributes" ct:_="" ma:_="" ma:contentTypeName="TemplateFile" ma:contentTypeID="0x0101006EDDDB5EE6D98C44930B742096920B300400F5B6D36B3EF94B4E9A635CDF2A18F5B8" ma:contentTypeVersion="72" ma:contentTypeDescription="Create a new document." ma:contentTypeScope="" ma:versionID="a23e56308344d904b51738559c3d67c9">
   <xsd:schema xmlns:xsd="http://www.w3.org/2001/XMLSchema" xmlns:xs="http://www.w3.org/2001/XMLSchema" xmlns:p="http://schemas.microsoft.com/office/2006/metadata/properties" xmlns:ns2="4873beb7-5857-4685-be1f-d57550cc96cc" targetNamespace="http://schemas.microsoft.com/office/2006/metadata/properties" ma:root="true" ma:fieldsID="cd0908cc4600e77bf5da051303e00c8d" ns2:_="">
     <xsd:import namespace="4873beb7-5857-4685-be1f-d57550cc96cc"/>
@@ -8052,15 +10809,6 @@
 </ct:contentTypeSchema>
 </file>
 
-<file path=customXml/item3.xml><?xml version="1.0" encoding="utf-8"?>
-<?mso-contentType ?>
-<FormTemplates xmlns="http://schemas.microsoft.com/sharepoint/v3/contenttype/forms">
-  <Display>DocumentLibraryForm</Display>
-  <Edit>AssetEditForm</Edit>
-  <New>DocumentLibraryForm</New>
-</FormTemplates>
-</file>
-
 <file path=customXml/itemProps1.xml><?xml version="1.0" encoding="utf-8"?>
 <ds:datastoreItem xmlns:ds="http://schemas.openxmlformats.org/officeDocument/2006/customXml" ds:itemID="{00E41224-0370-4595-877C-23316CD80004}">
   <ds:schemaRefs>
@@ -8078,6 +10826,14 @@
 </file>
 
 <file path=customXml/itemProps2.xml><?xml version="1.0" encoding="utf-8"?>
+<ds:datastoreItem xmlns:ds="http://schemas.openxmlformats.org/officeDocument/2006/customXml" ds:itemID="{74228E6B-D70C-44BB-A81F-A245495F612B}">
+  <ds:schemaRefs>
+    <ds:schemaRef ds:uri="http://schemas.microsoft.com/sharepoint/v3/contenttype/forms"/>
+  </ds:schemaRefs>
+</ds:datastoreItem>
+</file>
+
+<file path=customXml/itemProps3.xml><?xml version="1.0" encoding="utf-8"?>
 <ds:datastoreItem xmlns:ds="http://schemas.openxmlformats.org/officeDocument/2006/customXml" ds:itemID="{22CCB507-0646-4A50-A4F7-7F385079D589}">
   <ds:schemaRefs>
     <ds:schemaRef ds:uri="http://schemas.microsoft.com/office/2006/metadata/contentType"/>
@@ -8093,12 +10849,4 @@
     <ds:schemaRef ds:uri="http://schemas.microsoft.com/internal/obd"/>
   </ds:schemaRefs>
 </ds:datastoreItem>
-</file>
-
-<file path=customXml/itemProps3.xml><?xml version="1.0" encoding="utf-8"?>
-<ds:datastoreItem xmlns:ds="http://schemas.openxmlformats.org/officeDocument/2006/customXml" ds:itemID="{74228E6B-D70C-44BB-A81F-A245495F612B}">
-  <ds:schemaRefs>
-    <ds:schemaRef ds:uri="http://schemas.microsoft.com/sharepoint/v3/contenttype/forms"/>
-  </ds:schemaRefs>
-</ds:datastoreItem>
 </file>